--- a/Git Docker Services.pptx
+++ b/Git Docker Services.pptx
@@ -1,6 +1,6 @@
 
 <file path=ppt/presentation.xml><?xml version="1.0" encoding="utf-8"?>
-<p:presentation xmlns:a="http://schemas.openxmlformats.org/drawingml/2006/main" xmlns:r="http://schemas.openxmlformats.org/officeDocument/2006/relationships" xmlns:p="http://schemas.openxmlformats.org/presentationml/2006/main" saveSubsetFonts="1">
+<p:presentation xmlns:a="http://schemas.openxmlformats.org/drawingml/2006/main" xmlns:r="http://schemas.openxmlformats.org/officeDocument/2006/relationships" xmlns:p="http://schemas.openxmlformats.org/presentationml/2006/main" embedTrueTypeFonts="1" saveSubsetFonts="1">
   <p:sldMasterIdLst>
     <p:sldMasterId id="2147483648" r:id="rId1"/>
   </p:sldMasterIdLst>
@@ -16,12 +16,36 @@
     <p:sldId id="267" r:id="rId10"/>
     <p:sldId id="266" r:id="rId11"/>
     <p:sldId id="268" r:id="rId12"/>
-    <p:sldId id="263" r:id="rId13"/>
-    <p:sldId id="264" r:id="rId14"/>
-    <p:sldId id="270" r:id="rId15"/>
+    <p:sldId id="274" r:id="rId13"/>
+    <p:sldId id="263" r:id="rId14"/>
+    <p:sldId id="264" r:id="rId15"/>
+    <p:sldId id="271" r:id="rId16"/>
+    <p:sldId id="273" r:id="rId17"/>
+    <p:sldId id="272" r:id="rId18"/>
+    <p:sldId id="275" r:id="rId19"/>
+    <p:sldId id="279" r:id="rId20"/>
+    <p:sldId id="270" r:id="rId21"/>
+    <p:sldId id="276" r:id="rId22"/>
+    <p:sldId id="277" r:id="rId23"/>
+    <p:sldId id="278" r:id="rId24"/>
   </p:sldIdLst>
   <p:sldSz cx="12192000" cy="6858000"/>
   <p:notesSz cx="6858000" cy="9144000"/>
+  <p:embeddedFontLst>
+    <p:embeddedFont>
+      <p:font typeface="나눔스퀘어라운드 Bold" panose="020B0600000101010101" pitchFamily="50" charset="-127"/>
+      <p:bold r:id="rId25"/>
+    </p:embeddedFont>
+    <p:embeddedFont>
+      <p:font typeface="나눔스퀘어 Light" panose="020B0600000101010101" pitchFamily="50" charset="-127"/>
+      <p:regular r:id="rId26"/>
+    </p:embeddedFont>
+    <p:embeddedFont>
+      <p:font typeface="맑은 고딕" panose="020B0503020000020004" pitchFamily="50" charset="-127"/>
+      <p:regular r:id="rId27"/>
+      <p:bold r:id="rId28"/>
+    </p:embeddedFont>
+  </p:embeddedFontLst>
   <p:defaultTextStyle>
     <a:defPPr>
       <a:defRPr lang="ko-KR"/>
@@ -158,7 +182,7 @@
           <p:cNvPr id="2" name="제목 1">
             <a:extLst>
               <a:ext uri="{FF2B5EF4-FFF2-40B4-BE49-F238E27FC236}">
-                <a16:creationId xmlns:a16="http://schemas.microsoft.com/office/drawing/2014/main" id="{1D94F490-5FE0-4CEF-A3B0-82F3928297DB}"/>
+                <a16:creationId xmlns:a16="http://schemas.microsoft.com/office/drawing/2014/main" xmlns="" id="{1D94F490-5FE0-4CEF-A3B0-82F3928297DB}"/>
               </a:ext>
             </a:extLst>
           </p:cNvPr>
@@ -195,7 +219,7 @@
           <p:cNvPr id="3" name="부제목 2">
             <a:extLst>
               <a:ext uri="{FF2B5EF4-FFF2-40B4-BE49-F238E27FC236}">
-                <a16:creationId xmlns:a16="http://schemas.microsoft.com/office/drawing/2014/main" id="{DED2219E-65B9-4D5C-90C8-3EC1A5AA0FAF}"/>
+                <a16:creationId xmlns:a16="http://schemas.microsoft.com/office/drawing/2014/main" xmlns="" id="{DED2219E-65B9-4D5C-90C8-3EC1A5AA0FAF}"/>
               </a:ext>
             </a:extLst>
           </p:cNvPr>
@@ -265,7 +289,7 @@
           <p:cNvPr id="4" name="날짜 개체 틀 3">
             <a:extLst>
               <a:ext uri="{FF2B5EF4-FFF2-40B4-BE49-F238E27FC236}">
-                <a16:creationId xmlns:a16="http://schemas.microsoft.com/office/drawing/2014/main" id="{BBB93E59-36FD-4898-B476-924239189A61}"/>
+                <a16:creationId xmlns:a16="http://schemas.microsoft.com/office/drawing/2014/main" xmlns="" id="{BBB93E59-36FD-4898-B476-924239189A61}"/>
               </a:ext>
             </a:extLst>
           </p:cNvPr>
@@ -283,7 +307,7 @@
           <a:p>
             <a:fld id="{E9919518-0D86-4E0F-AF2E-6076E90AD836}" type="datetimeFigureOut">
               <a:rPr lang="ko-KR" altLang="en-US" smtClean="0"/>
-              <a:t>2019-06-18</a:t>
+              <a:t>2019-06-19</a:t>
             </a:fld>
             <a:endParaRPr lang="ko-KR" altLang="en-US"/>
           </a:p>
@@ -294,7 +318,7 @@
           <p:cNvPr id="5" name="바닥글 개체 틀 4">
             <a:extLst>
               <a:ext uri="{FF2B5EF4-FFF2-40B4-BE49-F238E27FC236}">
-                <a16:creationId xmlns:a16="http://schemas.microsoft.com/office/drawing/2014/main" id="{8CA6A251-CF71-4122-A70E-C37DD7C93AE2}"/>
+                <a16:creationId xmlns:a16="http://schemas.microsoft.com/office/drawing/2014/main" xmlns="" id="{8CA6A251-CF71-4122-A70E-C37DD7C93AE2}"/>
               </a:ext>
             </a:extLst>
           </p:cNvPr>
@@ -319,7 +343,7 @@
           <p:cNvPr id="6" name="슬라이드 번호 개체 틀 5">
             <a:extLst>
               <a:ext uri="{FF2B5EF4-FFF2-40B4-BE49-F238E27FC236}">
-                <a16:creationId xmlns:a16="http://schemas.microsoft.com/office/drawing/2014/main" id="{0D96628E-F6DD-410D-B03A-4BFD11F8148C}"/>
+                <a16:creationId xmlns:a16="http://schemas.microsoft.com/office/drawing/2014/main" xmlns="" id="{0D96628E-F6DD-410D-B03A-4BFD11F8148C}"/>
               </a:ext>
             </a:extLst>
           </p:cNvPr>
@@ -378,7 +402,7 @@
           <p:cNvPr id="2" name="제목 1">
             <a:extLst>
               <a:ext uri="{FF2B5EF4-FFF2-40B4-BE49-F238E27FC236}">
-                <a16:creationId xmlns:a16="http://schemas.microsoft.com/office/drawing/2014/main" id="{15CA7DE4-C4FD-4BEE-AB6D-BD60B7D131F9}"/>
+                <a16:creationId xmlns:a16="http://schemas.microsoft.com/office/drawing/2014/main" xmlns="" id="{15CA7DE4-C4FD-4BEE-AB6D-BD60B7D131F9}"/>
               </a:ext>
             </a:extLst>
           </p:cNvPr>
@@ -406,7 +430,7 @@
           <p:cNvPr id="3" name="세로 텍스트 개체 틀 2">
             <a:extLst>
               <a:ext uri="{FF2B5EF4-FFF2-40B4-BE49-F238E27FC236}">
-                <a16:creationId xmlns:a16="http://schemas.microsoft.com/office/drawing/2014/main" id="{EB7CAC48-07E3-493D-82B6-1001533F2210}"/>
+                <a16:creationId xmlns:a16="http://schemas.microsoft.com/office/drawing/2014/main" xmlns="" id="{EB7CAC48-07E3-493D-82B6-1001533F2210}"/>
               </a:ext>
             </a:extLst>
           </p:cNvPr>
@@ -463,7 +487,7 @@
           <p:cNvPr id="4" name="날짜 개체 틀 3">
             <a:extLst>
               <a:ext uri="{FF2B5EF4-FFF2-40B4-BE49-F238E27FC236}">
-                <a16:creationId xmlns:a16="http://schemas.microsoft.com/office/drawing/2014/main" id="{869E4BF3-FB93-4A28-BAEA-4C4483B1AB30}"/>
+                <a16:creationId xmlns:a16="http://schemas.microsoft.com/office/drawing/2014/main" xmlns="" id="{869E4BF3-FB93-4A28-BAEA-4C4483B1AB30}"/>
               </a:ext>
             </a:extLst>
           </p:cNvPr>
@@ -481,7 +505,7 @@
           <a:p>
             <a:fld id="{E9919518-0D86-4E0F-AF2E-6076E90AD836}" type="datetimeFigureOut">
               <a:rPr lang="ko-KR" altLang="en-US" smtClean="0"/>
-              <a:t>2019-06-18</a:t>
+              <a:t>2019-06-19</a:t>
             </a:fld>
             <a:endParaRPr lang="ko-KR" altLang="en-US"/>
           </a:p>
@@ -492,7 +516,7 @@
           <p:cNvPr id="5" name="바닥글 개체 틀 4">
             <a:extLst>
               <a:ext uri="{FF2B5EF4-FFF2-40B4-BE49-F238E27FC236}">
-                <a16:creationId xmlns:a16="http://schemas.microsoft.com/office/drawing/2014/main" id="{D0B4E66A-471C-477A-B0A7-6DA8C93723D2}"/>
+                <a16:creationId xmlns:a16="http://schemas.microsoft.com/office/drawing/2014/main" xmlns="" id="{D0B4E66A-471C-477A-B0A7-6DA8C93723D2}"/>
               </a:ext>
             </a:extLst>
           </p:cNvPr>
@@ -517,7 +541,7 @@
           <p:cNvPr id="6" name="슬라이드 번호 개체 틀 5">
             <a:extLst>
               <a:ext uri="{FF2B5EF4-FFF2-40B4-BE49-F238E27FC236}">
-                <a16:creationId xmlns:a16="http://schemas.microsoft.com/office/drawing/2014/main" id="{98A214AD-B324-4FE9-B7D1-C44EA5172B75}"/>
+                <a16:creationId xmlns:a16="http://schemas.microsoft.com/office/drawing/2014/main" xmlns="" id="{98A214AD-B324-4FE9-B7D1-C44EA5172B75}"/>
               </a:ext>
             </a:extLst>
           </p:cNvPr>
@@ -576,7 +600,7 @@
           <p:cNvPr id="2" name="세로 제목 1">
             <a:extLst>
               <a:ext uri="{FF2B5EF4-FFF2-40B4-BE49-F238E27FC236}">
-                <a16:creationId xmlns:a16="http://schemas.microsoft.com/office/drawing/2014/main" id="{3875F9A8-4E5D-4714-AD58-9D11313170B3}"/>
+                <a16:creationId xmlns:a16="http://schemas.microsoft.com/office/drawing/2014/main" xmlns="" id="{3875F9A8-4E5D-4714-AD58-9D11313170B3}"/>
               </a:ext>
             </a:extLst>
           </p:cNvPr>
@@ -609,7 +633,7 @@
           <p:cNvPr id="3" name="세로 텍스트 개체 틀 2">
             <a:extLst>
               <a:ext uri="{FF2B5EF4-FFF2-40B4-BE49-F238E27FC236}">
-                <a16:creationId xmlns:a16="http://schemas.microsoft.com/office/drawing/2014/main" id="{00294FE6-B99F-43CA-9BC3-D576E50B34E9}"/>
+                <a16:creationId xmlns:a16="http://schemas.microsoft.com/office/drawing/2014/main" xmlns="" id="{00294FE6-B99F-43CA-9BC3-D576E50B34E9}"/>
               </a:ext>
             </a:extLst>
           </p:cNvPr>
@@ -671,7 +695,7 @@
           <p:cNvPr id="4" name="날짜 개체 틀 3">
             <a:extLst>
               <a:ext uri="{FF2B5EF4-FFF2-40B4-BE49-F238E27FC236}">
-                <a16:creationId xmlns:a16="http://schemas.microsoft.com/office/drawing/2014/main" id="{9C0785FD-06EB-416C-9843-E1CEC3FFB0D0}"/>
+                <a16:creationId xmlns:a16="http://schemas.microsoft.com/office/drawing/2014/main" xmlns="" id="{9C0785FD-06EB-416C-9843-E1CEC3FFB0D0}"/>
               </a:ext>
             </a:extLst>
           </p:cNvPr>
@@ -689,7 +713,7 @@
           <a:p>
             <a:fld id="{E9919518-0D86-4E0F-AF2E-6076E90AD836}" type="datetimeFigureOut">
               <a:rPr lang="ko-KR" altLang="en-US" smtClean="0"/>
-              <a:t>2019-06-18</a:t>
+              <a:t>2019-06-19</a:t>
             </a:fld>
             <a:endParaRPr lang="ko-KR" altLang="en-US"/>
           </a:p>
@@ -700,7 +724,7 @@
           <p:cNvPr id="5" name="바닥글 개체 틀 4">
             <a:extLst>
               <a:ext uri="{FF2B5EF4-FFF2-40B4-BE49-F238E27FC236}">
-                <a16:creationId xmlns:a16="http://schemas.microsoft.com/office/drawing/2014/main" id="{75C41B9E-D331-4BC5-BD58-CA8B1AC57CEB}"/>
+                <a16:creationId xmlns:a16="http://schemas.microsoft.com/office/drawing/2014/main" xmlns="" id="{75C41B9E-D331-4BC5-BD58-CA8B1AC57CEB}"/>
               </a:ext>
             </a:extLst>
           </p:cNvPr>
@@ -725,7 +749,7 @@
           <p:cNvPr id="6" name="슬라이드 번호 개체 틀 5">
             <a:extLst>
               <a:ext uri="{FF2B5EF4-FFF2-40B4-BE49-F238E27FC236}">
-                <a16:creationId xmlns:a16="http://schemas.microsoft.com/office/drawing/2014/main" id="{DE7643C2-1138-4CA7-A76E-AD2B9B537C6A}"/>
+                <a16:creationId xmlns:a16="http://schemas.microsoft.com/office/drawing/2014/main" xmlns="" id="{DE7643C2-1138-4CA7-A76E-AD2B9B537C6A}"/>
               </a:ext>
             </a:extLst>
           </p:cNvPr>
@@ -784,7 +808,7 @@
           <p:cNvPr id="2" name="제목 1">
             <a:extLst>
               <a:ext uri="{FF2B5EF4-FFF2-40B4-BE49-F238E27FC236}">
-                <a16:creationId xmlns:a16="http://schemas.microsoft.com/office/drawing/2014/main" id="{9B67E44D-AD01-475C-A150-E2ADBD8F53BF}"/>
+                <a16:creationId xmlns:a16="http://schemas.microsoft.com/office/drawing/2014/main" xmlns="" id="{9B67E44D-AD01-475C-A150-E2ADBD8F53BF}"/>
               </a:ext>
             </a:extLst>
           </p:cNvPr>
@@ -812,7 +836,7 @@
           <p:cNvPr id="3" name="내용 개체 틀 2">
             <a:extLst>
               <a:ext uri="{FF2B5EF4-FFF2-40B4-BE49-F238E27FC236}">
-                <a16:creationId xmlns:a16="http://schemas.microsoft.com/office/drawing/2014/main" id="{09BDDF97-3880-43A0-A5E5-5A3EFE9609E3}"/>
+                <a16:creationId xmlns:a16="http://schemas.microsoft.com/office/drawing/2014/main" xmlns="" id="{09BDDF97-3880-43A0-A5E5-5A3EFE9609E3}"/>
               </a:ext>
             </a:extLst>
           </p:cNvPr>
@@ -869,7 +893,7 @@
           <p:cNvPr id="4" name="날짜 개체 틀 3">
             <a:extLst>
               <a:ext uri="{FF2B5EF4-FFF2-40B4-BE49-F238E27FC236}">
-                <a16:creationId xmlns:a16="http://schemas.microsoft.com/office/drawing/2014/main" id="{C6FA76ED-CDF9-4679-BEE4-6AE8C0254277}"/>
+                <a16:creationId xmlns:a16="http://schemas.microsoft.com/office/drawing/2014/main" xmlns="" id="{C6FA76ED-CDF9-4679-BEE4-6AE8C0254277}"/>
               </a:ext>
             </a:extLst>
           </p:cNvPr>
@@ -887,7 +911,7 @@
           <a:p>
             <a:fld id="{E9919518-0D86-4E0F-AF2E-6076E90AD836}" type="datetimeFigureOut">
               <a:rPr lang="ko-KR" altLang="en-US" smtClean="0"/>
-              <a:t>2019-06-18</a:t>
+              <a:t>2019-06-19</a:t>
             </a:fld>
             <a:endParaRPr lang="ko-KR" altLang="en-US"/>
           </a:p>
@@ -898,7 +922,7 @@
           <p:cNvPr id="5" name="바닥글 개체 틀 4">
             <a:extLst>
               <a:ext uri="{FF2B5EF4-FFF2-40B4-BE49-F238E27FC236}">
-                <a16:creationId xmlns:a16="http://schemas.microsoft.com/office/drawing/2014/main" id="{28C82F58-56D9-456B-987F-F103A18F8789}"/>
+                <a16:creationId xmlns:a16="http://schemas.microsoft.com/office/drawing/2014/main" xmlns="" id="{28C82F58-56D9-456B-987F-F103A18F8789}"/>
               </a:ext>
             </a:extLst>
           </p:cNvPr>
@@ -923,7 +947,7 @@
           <p:cNvPr id="6" name="슬라이드 번호 개체 틀 5">
             <a:extLst>
               <a:ext uri="{FF2B5EF4-FFF2-40B4-BE49-F238E27FC236}">
-                <a16:creationId xmlns:a16="http://schemas.microsoft.com/office/drawing/2014/main" id="{B60D2467-2A5D-48F8-8A93-ABE572DCE2D8}"/>
+                <a16:creationId xmlns:a16="http://schemas.microsoft.com/office/drawing/2014/main" xmlns="" id="{B60D2467-2A5D-48F8-8A93-ABE572DCE2D8}"/>
               </a:ext>
             </a:extLst>
           </p:cNvPr>
@@ -982,7 +1006,7 @@
           <p:cNvPr id="2" name="제목 1">
             <a:extLst>
               <a:ext uri="{FF2B5EF4-FFF2-40B4-BE49-F238E27FC236}">
-                <a16:creationId xmlns:a16="http://schemas.microsoft.com/office/drawing/2014/main" id="{A79A66E3-E469-4EAC-BA78-D788F9CCE6CC}"/>
+                <a16:creationId xmlns:a16="http://schemas.microsoft.com/office/drawing/2014/main" xmlns="" id="{A79A66E3-E469-4EAC-BA78-D788F9CCE6CC}"/>
               </a:ext>
             </a:extLst>
           </p:cNvPr>
@@ -1019,7 +1043,7 @@
           <p:cNvPr id="3" name="텍스트 개체 틀 2">
             <a:extLst>
               <a:ext uri="{FF2B5EF4-FFF2-40B4-BE49-F238E27FC236}">
-                <a16:creationId xmlns:a16="http://schemas.microsoft.com/office/drawing/2014/main" id="{F01907CA-5439-4323-80BF-F7C481983F25}"/>
+                <a16:creationId xmlns:a16="http://schemas.microsoft.com/office/drawing/2014/main" xmlns="" id="{F01907CA-5439-4323-80BF-F7C481983F25}"/>
               </a:ext>
             </a:extLst>
           </p:cNvPr>
@@ -1144,7 +1168,7 @@
           <p:cNvPr id="4" name="날짜 개체 틀 3">
             <a:extLst>
               <a:ext uri="{FF2B5EF4-FFF2-40B4-BE49-F238E27FC236}">
-                <a16:creationId xmlns:a16="http://schemas.microsoft.com/office/drawing/2014/main" id="{48EA7B48-380F-4456-A87C-CE52A102F84C}"/>
+                <a16:creationId xmlns:a16="http://schemas.microsoft.com/office/drawing/2014/main" xmlns="" id="{48EA7B48-380F-4456-A87C-CE52A102F84C}"/>
               </a:ext>
             </a:extLst>
           </p:cNvPr>
@@ -1162,7 +1186,7 @@
           <a:p>
             <a:fld id="{E9919518-0D86-4E0F-AF2E-6076E90AD836}" type="datetimeFigureOut">
               <a:rPr lang="ko-KR" altLang="en-US" smtClean="0"/>
-              <a:t>2019-06-18</a:t>
+              <a:t>2019-06-19</a:t>
             </a:fld>
             <a:endParaRPr lang="ko-KR" altLang="en-US"/>
           </a:p>
@@ -1173,7 +1197,7 @@
           <p:cNvPr id="5" name="바닥글 개체 틀 4">
             <a:extLst>
               <a:ext uri="{FF2B5EF4-FFF2-40B4-BE49-F238E27FC236}">
-                <a16:creationId xmlns:a16="http://schemas.microsoft.com/office/drawing/2014/main" id="{45AFEF12-084C-47E4-AB55-08FEE270B704}"/>
+                <a16:creationId xmlns:a16="http://schemas.microsoft.com/office/drawing/2014/main" xmlns="" id="{45AFEF12-084C-47E4-AB55-08FEE270B704}"/>
               </a:ext>
             </a:extLst>
           </p:cNvPr>
@@ -1198,7 +1222,7 @@
           <p:cNvPr id="6" name="슬라이드 번호 개체 틀 5">
             <a:extLst>
               <a:ext uri="{FF2B5EF4-FFF2-40B4-BE49-F238E27FC236}">
-                <a16:creationId xmlns:a16="http://schemas.microsoft.com/office/drawing/2014/main" id="{9ACF35D0-94B0-4BB8-AD5A-CD6311818E2F}"/>
+                <a16:creationId xmlns:a16="http://schemas.microsoft.com/office/drawing/2014/main" xmlns="" id="{9ACF35D0-94B0-4BB8-AD5A-CD6311818E2F}"/>
               </a:ext>
             </a:extLst>
           </p:cNvPr>
@@ -1257,7 +1281,7 @@
           <p:cNvPr id="2" name="제목 1">
             <a:extLst>
               <a:ext uri="{FF2B5EF4-FFF2-40B4-BE49-F238E27FC236}">
-                <a16:creationId xmlns:a16="http://schemas.microsoft.com/office/drawing/2014/main" id="{226DC66C-C2DA-454D-B228-171514784373}"/>
+                <a16:creationId xmlns:a16="http://schemas.microsoft.com/office/drawing/2014/main" xmlns="" id="{226DC66C-C2DA-454D-B228-171514784373}"/>
               </a:ext>
             </a:extLst>
           </p:cNvPr>
@@ -1285,7 +1309,7 @@
           <p:cNvPr id="3" name="내용 개체 틀 2">
             <a:extLst>
               <a:ext uri="{FF2B5EF4-FFF2-40B4-BE49-F238E27FC236}">
-                <a16:creationId xmlns:a16="http://schemas.microsoft.com/office/drawing/2014/main" id="{7235E36A-88A4-46E5-83DA-F03CE89D484C}"/>
+                <a16:creationId xmlns:a16="http://schemas.microsoft.com/office/drawing/2014/main" xmlns="" id="{7235E36A-88A4-46E5-83DA-F03CE89D484C}"/>
               </a:ext>
             </a:extLst>
           </p:cNvPr>
@@ -1347,7 +1371,7 @@
           <p:cNvPr id="4" name="내용 개체 틀 3">
             <a:extLst>
               <a:ext uri="{FF2B5EF4-FFF2-40B4-BE49-F238E27FC236}">
-                <a16:creationId xmlns:a16="http://schemas.microsoft.com/office/drawing/2014/main" id="{C1030E09-0751-45F4-885C-B2D89A8F35A5}"/>
+                <a16:creationId xmlns:a16="http://schemas.microsoft.com/office/drawing/2014/main" xmlns="" id="{C1030E09-0751-45F4-885C-B2D89A8F35A5}"/>
               </a:ext>
             </a:extLst>
           </p:cNvPr>
@@ -1409,7 +1433,7 @@
           <p:cNvPr id="5" name="날짜 개체 틀 4">
             <a:extLst>
               <a:ext uri="{FF2B5EF4-FFF2-40B4-BE49-F238E27FC236}">
-                <a16:creationId xmlns:a16="http://schemas.microsoft.com/office/drawing/2014/main" id="{A79231E7-B51F-4E04-B552-FA50D78F49FE}"/>
+                <a16:creationId xmlns:a16="http://schemas.microsoft.com/office/drawing/2014/main" xmlns="" id="{A79231E7-B51F-4E04-B552-FA50D78F49FE}"/>
               </a:ext>
             </a:extLst>
           </p:cNvPr>
@@ -1427,7 +1451,7 @@
           <a:p>
             <a:fld id="{E9919518-0D86-4E0F-AF2E-6076E90AD836}" type="datetimeFigureOut">
               <a:rPr lang="ko-KR" altLang="en-US" smtClean="0"/>
-              <a:t>2019-06-18</a:t>
+              <a:t>2019-06-19</a:t>
             </a:fld>
             <a:endParaRPr lang="ko-KR" altLang="en-US"/>
           </a:p>
@@ -1438,7 +1462,7 @@
           <p:cNvPr id="6" name="바닥글 개체 틀 5">
             <a:extLst>
               <a:ext uri="{FF2B5EF4-FFF2-40B4-BE49-F238E27FC236}">
-                <a16:creationId xmlns:a16="http://schemas.microsoft.com/office/drawing/2014/main" id="{C94D5B1D-8143-4532-96A4-DCAEEE6A6B20}"/>
+                <a16:creationId xmlns:a16="http://schemas.microsoft.com/office/drawing/2014/main" xmlns="" id="{C94D5B1D-8143-4532-96A4-DCAEEE6A6B20}"/>
               </a:ext>
             </a:extLst>
           </p:cNvPr>
@@ -1463,7 +1487,7 @@
           <p:cNvPr id="7" name="슬라이드 번호 개체 틀 6">
             <a:extLst>
               <a:ext uri="{FF2B5EF4-FFF2-40B4-BE49-F238E27FC236}">
-                <a16:creationId xmlns:a16="http://schemas.microsoft.com/office/drawing/2014/main" id="{E47CE230-6E75-40A3-A4BA-D51F44F101C9}"/>
+                <a16:creationId xmlns:a16="http://schemas.microsoft.com/office/drawing/2014/main" xmlns="" id="{E47CE230-6E75-40A3-A4BA-D51F44F101C9}"/>
               </a:ext>
             </a:extLst>
           </p:cNvPr>
@@ -1522,7 +1546,7 @@
           <p:cNvPr id="2" name="제목 1">
             <a:extLst>
               <a:ext uri="{FF2B5EF4-FFF2-40B4-BE49-F238E27FC236}">
-                <a16:creationId xmlns:a16="http://schemas.microsoft.com/office/drawing/2014/main" id="{02F4343E-0609-4E8D-8B94-7CFB1423BD19}"/>
+                <a16:creationId xmlns:a16="http://schemas.microsoft.com/office/drawing/2014/main" xmlns="" id="{02F4343E-0609-4E8D-8B94-7CFB1423BD19}"/>
               </a:ext>
             </a:extLst>
           </p:cNvPr>
@@ -1555,7 +1579,7 @@
           <p:cNvPr id="3" name="텍스트 개체 틀 2">
             <a:extLst>
               <a:ext uri="{FF2B5EF4-FFF2-40B4-BE49-F238E27FC236}">
-                <a16:creationId xmlns:a16="http://schemas.microsoft.com/office/drawing/2014/main" id="{2B5228FC-2EE9-4C5C-8BC7-FDA77E26CAA8}"/>
+                <a16:creationId xmlns:a16="http://schemas.microsoft.com/office/drawing/2014/main" xmlns="" id="{2B5228FC-2EE9-4C5C-8BC7-FDA77E26CAA8}"/>
               </a:ext>
             </a:extLst>
           </p:cNvPr>
@@ -1626,7 +1650,7 @@
           <p:cNvPr id="4" name="내용 개체 틀 3">
             <a:extLst>
               <a:ext uri="{FF2B5EF4-FFF2-40B4-BE49-F238E27FC236}">
-                <a16:creationId xmlns:a16="http://schemas.microsoft.com/office/drawing/2014/main" id="{54CB3F5B-57FA-4966-B00C-BB6CE981B9C7}"/>
+                <a16:creationId xmlns:a16="http://schemas.microsoft.com/office/drawing/2014/main" xmlns="" id="{54CB3F5B-57FA-4966-B00C-BB6CE981B9C7}"/>
               </a:ext>
             </a:extLst>
           </p:cNvPr>
@@ -1688,7 +1712,7 @@
           <p:cNvPr id="5" name="텍스트 개체 틀 4">
             <a:extLst>
               <a:ext uri="{FF2B5EF4-FFF2-40B4-BE49-F238E27FC236}">
-                <a16:creationId xmlns:a16="http://schemas.microsoft.com/office/drawing/2014/main" id="{FBF5EC57-C41D-4F0E-82A0-517BFA042610}"/>
+                <a16:creationId xmlns:a16="http://schemas.microsoft.com/office/drawing/2014/main" xmlns="" id="{FBF5EC57-C41D-4F0E-82A0-517BFA042610}"/>
               </a:ext>
             </a:extLst>
           </p:cNvPr>
@@ -1759,7 +1783,7 @@
           <p:cNvPr id="6" name="내용 개체 틀 5">
             <a:extLst>
               <a:ext uri="{FF2B5EF4-FFF2-40B4-BE49-F238E27FC236}">
-                <a16:creationId xmlns:a16="http://schemas.microsoft.com/office/drawing/2014/main" id="{E1899F10-AB24-46C9-917C-EF807E145CF9}"/>
+                <a16:creationId xmlns:a16="http://schemas.microsoft.com/office/drawing/2014/main" xmlns="" id="{E1899F10-AB24-46C9-917C-EF807E145CF9}"/>
               </a:ext>
             </a:extLst>
           </p:cNvPr>
@@ -1821,7 +1845,7 @@
           <p:cNvPr id="7" name="날짜 개체 틀 6">
             <a:extLst>
               <a:ext uri="{FF2B5EF4-FFF2-40B4-BE49-F238E27FC236}">
-                <a16:creationId xmlns:a16="http://schemas.microsoft.com/office/drawing/2014/main" id="{23FDF534-E52F-4533-97F8-8A7B75CFB1B4}"/>
+                <a16:creationId xmlns:a16="http://schemas.microsoft.com/office/drawing/2014/main" xmlns="" id="{23FDF534-E52F-4533-97F8-8A7B75CFB1B4}"/>
               </a:ext>
             </a:extLst>
           </p:cNvPr>
@@ -1839,7 +1863,7 @@
           <a:p>
             <a:fld id="{E9919518-0D86-4E0F-AF2E-6076E90AD836}" type="datetimeFigureOut">
               <a:rPr lang="ko-KR" altLang="en-US" smtClean="0"/>
-              <a:t>2019-06-18</a:t>
+              <a:t>2019-06-19</a:t>
             </a:fld>
             <a:endParaRPr lang="ko-KR" altLang="en-US"/>
           </a:p>
@@ -1850,7 +1874,7 @@
           <p:cNvPr id="8" name="바닥글 개체 틀 7">
             <a:extLst>
               <a:ext uri="{FF2B5EF4-FFF2-40B4-BE49-F238E27FC236}">
-                <a16:creationId xmlns:a16="http://schemas.microsoft.com/office/drawing/2014/main" id="{F84644AE-0E96-4768-B3AD-6F6181B328F4}"/>
+                <a16:creationId xmlns:a16="http://schemas.microsoft.com/office/drawing/2014/main" xmlns="" id="{F84644AE-0E96-4768-B3AD-6F6181B328F4}"/>
               </a:ext>
             </a:extLst>
           </p:cNvPr>
@@ -1875,7 +1899,7 @@
           <p:cNvPr id="9" name="슬라이드 번호 개체 틀 8">
             <a:extLst>
               <a:ext uri="{FF2B5EF4-FFF2-40B4-BE49-F238E27FC236}">
-                <a16:creationId xmlns:a16="http://schemas.microsoft.com/office/drawing/2014/main" id="{3FB9A925-A98D-4262-A411-0342B1F9E563}"/>
+                <a16:creationId xmlns:a16="http://schemas.microsoft.com/office/drawing/2014/main" xmlns="" id="{3FB9A925-A98D-4262-A411-0342B1F9E563}"/>
               </a:ext>
             </a:extLst>
           </p:cNvPr>
@@ -1934,7 +1958,7 @@
           <p:cNvPr id="2" name="제목 1">
             <a:extLst>
               <a:ext uri="{FF2B5EF4-FFF2-40B4-BE49-F238E27FC236}">
-                <a16:creationId xmlns:a16="http://schemas.microsoft.com/office/drawing/2014/main" id="{EE698B03-3B9C-48A4-8B82-2F3A8AE62BC2}"/>
+                <a16:creationId xmlns:a16="http://schemas.microsoft.com/office/drawing/2014/main" xmlns="" id="{EE698B03-3B9C-48A4-8B82-2F3A8AE62BC2}"/>
               </a:ext>
             </a:extLst>
           </p:cNvPr>
@@ -1962,7 +1986,7 @@
           <p:cNvPr id="3" name="날짜 개체 틀 2">
             <a:extLst>
               <a:ext uri="{FF2B5EF4-FFF2-40B4-BE49-F238E27FC236}">
-                <a16:creationId xmlns:a16="http://schemas.microsoft.com/office/drawing/2014/main" id="{43411371-9C42-4FC6-82FA-49340E398DFD}"/>
+                <a16:creationId xmlns:a16="http://schemas.microsoft.com/office/drawing/2014/main" xmlns="" id="{43411371-9C42-4FC6-82FA-49340E398DFD}"/>
               </a:ext>
             </a:extLst>
           </p:cNvPr>
@@ -1980,7 +2004,7 @@
           <a:p>
             <a:fld id="{E9919518-0D86-4E0F-AF2E-6076E90AD836}" type="datetimeFigureOut">
               <a:rPr lang="ko-KR" altLang="en-US" smtClean="0"/>
-              <a:t>2019-06-18</a:t>
+              <a:t>2019-06-19</a:t>
             </a:fld>
             <a:endParaRPr lang="ko-KR" altLang="en-US"/>
           </a:p>
@@ -1991,7 +2015,7 @@
           <p:cNvPr id="4" name="바닥글 개체 틀 3">
             <a:extLst>
               <a:ext uri="{FF2B5EF4-FFF2-40B4-BE49-F238E27FC236}">
-                <a16:creationId xmlns:a16="http://schemas.microsoft.com/office/drawing/2014/main" id="{91D14F84-5A1B-43EF-9BF5-6FE80015467C}"/>
+                <a16:creationId xmlns:a16="http://schemas.microsoft.com/office/drawing/2014/main" xmlns="" id="{91D14F84-5A1B-43EF-9BF5-6FE80015467C}"/>
               </a:ext>
             </a:extLst>
           </p:cNvPr>
@@ -2016,7 +2040,7 @@
           <p:cNvPr id="5" name="슬라이드 번호 개체 틀 4">
             <a:extLst>
               <a:ext uri="{FF2B5EF4-FFF2-40B4-BE49-F238E27FC236}">
-                <a16:creationId xmlns:a16="http://schemas.microsoft.com/office/drawing/2014/main" id="{1693718D-CD30-47AF-B35D-8CAC8D130C85}"/>
+                <a16:creationId xmlns:a16="http://schemas.microsoft.com/office/drawing/2014/main" xmlns="" id="{1693718D-CD30-47AF-B35D-8CAC8D130C85}"/>
               </a:ext>
             </a:extLst>
           </p:cNvPr>
@@ -2075,7 +2099,7 @@
           <p:cNvPr id="2" name="날짜 개체 틀 1">
             <a:extLst>
               <a:ext uri="{FF2B5EF4-FFF2-40B4-BE49-F238E27FC236}">
-                <a16:creationId xmlns:a16="http://schemas.microsoft.com/office/drawing/2014/main" id="{6EAB6FFD-75E6-4F46-8300-3E0B78CCCD94}"/>
+                <a16:creationId xmlns:a16="http://schemas.microsoft.com/office/drawing/2014/main" xmlns="" id="{6EAB6FFD-75E6-4F46-8300-3E0B78CCCD94}"/>
               </a:ext>
             </a:extLst>
           </p:cNvPr>
@@ -2093,7 +2117,7 @@
           <a:p>
             <a:fld id="{E9919518-0D86-4E0F-AF2E-6076E90AD836}" type="datetimeFigureOut">
               <a:rPr lang="ko-KR" altLang="en-US" smtClean="0"/>
-              <a:t>2019-06-18</a:t>
+              <a:t>2019-06-19</a:t>
             </a:fld>
             <a:endParaRPr lang="ko-KR" altLang="en-US"/>
           </a:p>
@@ -2104,7 +2128,7 @@
           <p:cNvPr id="3" name="바닥글 개체 틀 2">
             <a:extLst>
               <a:ext uri="{FF2B5EF4-FFF2-40B4-BE49-F238E27FC236}">
-                <a16:creationId xmlns:a16="http://schemas.microsoft.com/office/drawing/2014/main" id="{BC512B9E-4862-464E-B7EE-308F57F0AACF}"/>
+                <a16:creationId xmlns:a16="http://schemas.microsoft.com/office/drawing/2014/main" xmlns="" id="{BC512B9E-4862-464E-B7EE-308F57F0AACF}"/>
               </a:ext>
             </a:extLst>
           </p:cNvPr>
@@ -2129,7 +2153,7 @@
           <p:cNvPr id="4" name="슬라이드 번호 개체 틀 3">
             <a:extLst>
               <a:ext uri="{FF2B5EF4-FFF2-40B4-BE49-F238E27FC236}">
-                <a16:creationId xmlns:a16="http://schemas.microsoft.com/office/drawing/2014/main" id="{18F42291-484F-4517-9029-E72205D77DCD}"/>
+                <a16:creationId xmlns:a16="http://schemas.microsoft.com/office/drawing/2014/main" xmlns="" id="{18F42291-484F-4517-9029-E72205D77DCD}"/>
               </a:ext>
             </a:extLst>
           </p:cNvPr>
@@ -2188,7 +2212,7 @@
           <p:cNvPr id="2" name="제목 1">
             <a:extLst>
               <a:ext uri="{FF2B5EF4-FFF2-40B4-BE49-F238E27FC236}">
-                <a16:creationId xmlns:a16="http://schemas.microsoft.com/office/drawing/2014/main" id="{F18B99D8-42E1-4274-A8E8-58913EE01DD0}"/>
+                <a16:creationId xmlns:a16="http://schemas.microsoft.com/office/drawing/2014/main" xmlns="" id="{F18B99D8-42E1-4274-A8E8-58913EE01DD0}"/>
               </a:ext>
             </a:extLst>
           </p:cNvPr>
@@ -2225,7 +2249,7 @@
           <p:cNvPr id="3" name="내용 개체 틀 2">
             <a:extLst>
               <a:ext uri="{FF2B5EF4-FFF2-40B4-BE49-F238E27FC236}">
-                <a16:creationId xmlns:a16="http://schemas.microsoft.com/office/drawing/2014/main" id="{D2F31541-BB4F-459A-B423-A8F4E9CAE026}"/>
+                <a16:creationId xmlns:a16="http://schemas.microsoft.com/office/drawing/2014/main" xmlns="" id="{D2F31541-BB4F-459A-B423-A8F4E9CAE026}"/>
               </a:ext>
             </a:extLst>
           </p:cNvPr>
@@ -2315,7 +2339,7 @@
           <p:cNvPr id="4" name="텍스트 개체 틀 3">
             <a:extLst>
               <a:ext uri="{FF2B5EF4-FFF2-40B4-BE49-F238E27FC236}">
-                <a16:creationId xmlns:a16="http://schemas.microsoft.com/office/drawing/2014/main" id="{98E70F3E-5E5C-41E0-B0EA-3F481283B080}"/>
+                <a16:creationId xmlns:a16="http://schemas.microsoft.com/office/drawing/2014/main" xmlns="" id="{98E70F3E-5E5C-41E0-B0EA-3F481283B080}"/>
               </a:ext>
             </a:extLst>
           </p:cNvPr>
@@ -2386,7 +2410,7 @@
           <p:cNvPr id="5" name="날짜 개체 틀 4">
             <a:extLst>
               <a:ext uri="{FF2B5EF4-FFF2-40B4-BE49-F238E27FC236}">
-                <a16:creationId xmlns:a16="http://schemas.microsoft.com/office/drawing/2014/main" id="{92F5C7AB-7413-4DF1-BA8B-F8055EF146D3}"/>
+                <a16:creationId xmlns:a16="http://schemas.microsoft.com/office/drawing/2014/main" xmlns="" id="{92F5C7AB-7413-4DF1-BA8B-F8055EF146D3}"/>
               </a:ext>
             </a:extLst>
           </p:cNvPr>
@@ -2404,7 +2428,7 @@
           <a:p>
             <a:fld id="{E9919518-0D86-4E0F-AF2E-6076E90AD836}" type="datetimeFigureOut">
               <a:rPr lang="ko-KR" altLang="en-US" smtClean="0"/>
-              <a:t>2019-06-18</a:t>
+              <a:t>2019-06-19</a:t>
             </a:fld>
             <a:endParaRPr lang="ko-KR" altLang="en-US"/>
           </a:p>
@@ -2415,7 +2439,7 @@
           <p:cNvPr id="6" name="바닥글 개체 틀 5">
             <a:extLst>
               <a:ext uri="{FF2B5EF4-FFF2-40B4-BE49-F238E27FC236}">
-                <a16:creationId xmlns:a16="http://schemas.microsoft.com/office/drawing/2014/main" id="{75668A9D-B384-4036-A32A-B41A270126E6}"/>
+                <a16:creationId xmlns:a16="http://schemas.microsoft.com/office/drawing/2014/main" xmlns="" id="{75668A9D-B384-4036-A32A-B41A270126E6}"/>
               </a:ext>
             </a:extLst>
           </p:cNvPr>
@@ -2440,7 +2464,7 @@
           <p:cNvPr id="7" name="슬라이드 번호 개체 틀 6">
             <a:extLst>
               <a:ext uri="{FF2B5EF4-FFF2-40B4-BE49-F238E27FC236}">
-                <a16:creationId xmlns:a16="http://schemas.microsoft.com/office/drawing/2014/main" id="{5AD24C4F-83C5-4FE9-AF67-447BF5EE0C48}"/>
+                <a16:creationId xmlns:a16="http://schemas.microsoft.com/office/drawing/2014/main" xmlns="" id="{5AD24C4F-83C5-4FE9-AF67-447BF5EE0C48}"/>
               </a:ext>
             </a:extLst>
           </p:cNvPr>
@@ -2499,7 +2523,7 @@
           <p:cNvPr id="2" name="제목 1">
             <a:extLst>
               <a:ext uri="{FF2B5EF4-FFF2-40B4-BE49-F238E27FC236}">
-                <a16:creationId xmlns:a16="http://schemas.microsoft.com/office/drawing/2014/main" id="{FB2C611C-FB61-4A04-A3CD-A4851F58D98F}"/>
+                <a16:creationId xmlns:a16="http://schemas.microsoft.com/office/drawing/2014/main" xmlns="" id="{FB2C611C-FB61-4A04-A3CD-A4851F58D98F}"/>
               </a:ext>
             </a:extLst>
           </p:cNvPr>
@@ -2536,7 +2560,7 @@
           <p:cNvPr id="3" name="그림 개체 틀 2">
             <a:extLst>
               <a:ext uri="{FF2B5EF4-FFF2-40B4-BE49-F238E27FC236}">
-                <a16:creationId xmlns:a16="http://schemas.microsoft.com/office/drawing/2014/main" id="{8CAD2837-CA19-468C-8BA7-8C178FF72005}"/>
+                <a16:creationId xmlns:a16="http://schemas.microsoft.com/office/drawing/2014/main" xmlns="" id="{8CAD2837-CA19-468C-8BA7-8C178FF72005}"/>
               </a:ext>
             </a:extLst>
           </p:cNvPr>
@@ -2603,7 +2627,7 @@
           <p:cNvPr id="4" name="텍스트 개체 틀 3">
             <a:extLst>
               <a:ext uri="{FF2B5EF4-FFF2-40B4-BE49-F238E27FC236}">
-                <a16:creationId xmlns:a16="http://schemas.microsoft.com/office/drawing/2014/main" id="{E49A819B-7EF3-4604-B45F-EA83D388D04C}"/>
+                <a16:creationId xmlns:a16="http://schemas.microsoft.com/office/drawing/2014/main" xmlns="" id="{E49A819B-7EF3-4604-B45F-EA83D388D04C}"/>
               </a:ext>
             </a:extLst>
           </p:cNvPr>
@@ -2674,7 +2698,7 @@
           <p:cNvPr id="5" name="날짜 개체 틀 4">
             <a:extLst>
               <a:ext uri="{FF2B5EF4-FFF2-40B4-BE49-F238E27FC236}">
-                <a16:creationId xmlns:a16="http://schemas.microsoft.com/office/drawing/2014/main" id="{1F7AD792-EEEA-4CCA-8100-9A54520DA5D1}"/>
+                <a16:creationId xmlns:a16="http://schemas.microsoft.com/office/drawing/2014/main" xmlns="" id="{1F7AD792-EEEA-4CCA-8100-9A54520DA5D1}"/>
               </a:ext>
             </a:extLst>
           </p:cNvPr>
@@ -2692,7 +2716,7 @@
           <a:p>
             <a:fld id="{E9919518-0D86-4E0F-AF2E-6076E90AD836}" type="datetimeFigureOut">
               <a:rPr lang="ko-KR" altLang="en-US" smtClean="0"/>
-              <a:t>2019-06-18</a:t>
+              <a:t>2019-06-19</a:t>
             </a:fld>
             <a:endParaRPr lang="ko-KR" altLang="en-US"/>
           </a:p>
@@ -2703,7 +2727,7 @@
           <p:cNvPr id="6" name="바닥글 개체 틀 5">
             <a:extLst>
               <a:ext uri="{FF2B5EF4-FFF2-40B4-BE49-F238E27FC236}">
-                <a16:creationId xmlns:a16="http://schemas.microsoft.com/office/drawing/2014/main" id="{95FFBD26-CBAA-436A-91A1-51ED6DF5A821}"/>
+                <a16:creationId xmlns:a16="http://schemas.microsoft.com/office/drawing/2014/main" xmlns="" id="{95FFBD26-CBAA-436A-91A1-51ED6DF5A821}"/>
               </a:ext>
             </a:extLst>
           </p:cNvPr>
@@ -2728,7 +2752,7 @@
           <p:cNvPr id="7" name="슬라이드 번호 개체 틀 6">
             <a:extLst>
               <a:ext uri="{FF2B5EF4-FFF2-40B4-BE49-F238E27FC236}">
-                <a16:creationId xmlns:a16="http://schemas.microsoft.com/office/drawing/2014/main" id="{340D40D4-A069-4105-8B24-C50D9AAE4D26}"/>
+                <a16:creationId xmlns:a16="http://schemas.microsoft.com/office/drawing/2014/main" xmlns="" id="{340D40D4-A069-4105-8B24-C50D9AAE4D26}"/>
               </a:ext>
             </a:extLst>
           </p:cNvPr>
@@ -2792,7 +2816,7 @@
           <p:cNvPr id="2" name="제목 개체 틀 1">
             <a:extLst>
               <a:ext uri="{FF2B5EF4-FFF2-40B4-BE49-F238E27FC236}">
-                <a16:creationId xmlns:a16="http://schemas.microsoft.com/office/drawing/2014/main" id="{4A538D77-41F8-4624-903C-F9E3D54D56A2}"/>
+                <a16:creationId xmlns:a16="http://schemas.microsoft.com/office/drawing/2014/main" xmlns="" id="{4A538D77-41F8-4624-903C-F9E3D54D56A2}"/>
               </a:ext>
             </a:extLst>
           </p:cNvPr>
@@ -2830,7 +2854,7 @@
           <p:cNvPr id="3" name="텍스트 개체 틀 2">
             <a:extLst>
               <a:ext uri="{FF2B5EF4-FFF2-40B4-BE49-F238E27FC236}">
-                <a16:creationId xmlns:a16="http://schemas.microsoft.com/office/drawing/2014/main" id="{433C7154-4D59-4E14-960B-AA0CBD88E03F}"/>
+                <a16:creationId xmlns:a16="http://schemas.microsoft.com/office/drawing/2014/main" xmlns="" id="{433C7154-4D59-4E14-960B-AA0CBD88E03F}"/>
               </a:ext>
             </a:extLst>
           </p:cNvPr>
@@ -2897,7 +2921,7 @@
           <p:cNvPr id="4" name="날짜 개체 틀 3">
             <a:extLst>
               <a:ext uri="{FF2B5EF4-FFF2-40B4-BE49-F238E27FC236}">
-                <a16:creationId xmlns:a16="http://schemas.microsoft.com/office/drawing/2014/main" id="{90D185B5-F4EB-448D-BBEA-EF04B7A83352}"/>
+                <a16:creationId xmlns:a16="http://schemas.microsoft.com/office/drawing/2014/main" xmlns="" id="{90D185B5-F4EB-448D-BBEA-EF04B7A83352}"/>
               </a:ext>
             </a:extLst>
           </p:cNvPr>
@@ -2933,7 +2957,7 @@
           <a:p>
             <a:fld id="{E9919518-0D86-4E0F-AF2E-6076E90AD836}" type="datetimeFigureOut">
               <a:rPr lang="ko-KR" altLang="en-US" smtClean="0"/>
-              <a:t>2019-06-18</a:t>
+              <a:t>2019-06-19</a:t>
             </a:fld>
             <a:endParaRPr lang="ko-KR" altLang="en-US"/>
           </a:p>
@@ -2944,7 +2968,7 @@
           <p:cNvPr id="5" name="바닥글 개체 틀 4">
             <a:extLst>
               <a:ext uri="{FF2B5EF4-FFF2-40B4-BE49-F238E27FC236}">
-                <a16:creationId xmlns:a16="http://schemas.microsoft.com/office/drawing/2014/main" id="{3E2C4D11-C6C5-40C1-A963-E3903D947378}"/>
+                <a16:creationId xmlns:a16="http://schemas.microsoft.com/office/drawing/2014/main" xmlns="" id="{3E2C4D11-C6C5-40C1-A963-E3903D947378}"/>
               </a:ext>
             </a:extLst>
           </p:cNvPr>
@@ -2987,7 +3011,7 @@
           <p:cNvPr id="6" name="슬라이드 번호 개체 틀 5">
             <a:extLst>
               <a:ext uri="{FF2B5EF4-FFF2-40B4-BE49-F238E27FC236}">
-                <a16:creationId xmlns:a16="http://schemas.microsoft.com/office/drawing/2014/main" id="{09B05E33-E8CD-4726-823F-5C28E0FA7FF7}"/>
+                <a16:creationId xmlns:a16="http://schemas.microsoft.com/office/drawing/2014/main" xmlns="" id="{09B05E33-E8CD-4726-823F-5C28E0FA7FF7}"/>
               </a:ext>
             </a:extLst>
           </p:cNvPr>
@@ -3355,7 +3379,7 @@
           <p:cNvPr id="1028" name="Picture 4" descr="dockerì ëí ì´ë¯¸ì§ ê²ìê²°ê³¼">
             <a:extLst>
               <a:ext uri="{FF2B5EF4-FFF2-40B4-BE49-F238E27FC236}">
-                <a16:creationId xmlns:a16="http://schemas.microsoft.com/office/drawing/2014/main" id="{EE3D5CF4-4E9D-48CD-93E7-835F15EEE21E}"/>
+                <a16:creationId xmlns:a16="http://schemas.microsoft.com/office/drawing/2014/main" xmlns="" id="{EE3D5CF4-4E9D-48CD-93E7-835F15EEE21E}"/>
               </a:ext>
             </a:extLst>
           </p:cNvPr>
@@ -3402,7 +3426,7 @@
           <p:cNvPr id="1026" name="Picture 2" descr="gitì ëí ì´ë¯¸ì§ ê²ìê²°ê³¼">
             <a:extLst>
               <a:ext uri="{FF2B5EF4-FFF2-40B4-BE49-F238E27FC236}">
-                <a16:creationId xmlns:a16="http://schemas.microsoft.com/office/drawing/2014/main" id="{940B0F66-8AE0-4A34-9CEF-F49C247DBC69}"/>
+                <a16:creationId xmlns:a16="http://schemas.microsoft.com/office/drawing/2014/main" xmlns="" id="{940B0F66-8AE0-4A34-9CEF-F49C247DBC69}"/>
               </a:ext>
             </a:extLst>
           </p:cNvPr>
@@ -3449,7 +3473,7 @@
           <p:cNvPr id="2" name="제목 1">
             <a:extLst>
               <a:ext uri="{FF2B5EF4-FFF2-40B4-BE49-F238E27FC236}">
-                <a16:creationId xmlns:a16="http://schemas.microsoft.com/office/drawing/2014/main" id="{9596526D-8090-4541-BCF4-5EA2B8A604BC}"/>
+                <a16:creationId xmlns:a16="http://schemas.microsoft.com/office/drawing/2014/main" xmlns="" id="{9596526D-8090-4541-BCF4-5EA2B8A604BC}"/>
               </a:ext>
             </a:extLst>
           </p:cNvPr>
@@ -3505,6 +3529,13 @@
               </a:rPr>
               <a:t>를 활용한 </a:t>
             </a:r>
+            <a:r>
+              <a:rPr lang="en-US" altLang="ko-KR" dirty="0">
+                <a:latin typeface="나눔스퀘어라운드 Bold" panose="020B0600000101010101" pitchFamily="50" charset="-127"/>
+                <a:ea typeface="나눔스퀘어라운드 Bold" panose="020B0600000101010101" pitchFamily="50" charset="-127"/>
+              </a:rPr>
+              <a:t/>
+            </a:r>
             <a:br>
               <a:rPr lang="en-US" altLang="ko-KR" dirty="0">
                 <a:latin typeface="나눔스퀘어라운드 Bold" panose="020B0600000101010101" pitchFamily="50" charset="-127"/>
@@ -3526,7 +3557,7 @@
           <p:cNvPr id="3" name="부제목 2">
             <a:extLst>
               <a:ext uri="{FF2B5EF4-FFF2-40B4-BE49-F238E27FC236}">
-                <a16:creationId xmlns:a16="http://schemas.microsoft.com/office/drawing/2014/main" id="{7B81FE39-F701-4321-B04E-2BD018C25D6E}"/>
+                <a16:creationId xmlns:a16="http://schemas.microsoft.com/office/drawing/2014/main" xmlns="" id="{7B81FE39-F701-4321-B04E-2BD018C25D6E}"/>
               </a:ext>
             </a:extLst>
           </p:cNvPr>
@@ -3624,7 +3655,7 @@
           <p:cNvPr id="2" name="제목 1">
             <a:extLst>
               <a:ext uri="{FF2B5EF4-FFF2-40B4-BE49-F238E27FC236}">
-                <a16:creationId xmlns:a16="http://schemas.microsoft.com/office/drawing/2014/main" id="{575A0FAA-BB97-4EF4-B8E0-EE56A36D1890}"/>
+                <a16:creationId xmlns:a16="http://schemas.microsoft.com/office/drawing/2014/main" xmlns="" id="{575A0FAA-BB97-4EF4-B8E0-EE56A36D1890}"/>
               </a:ext>
             </a:extLst>
           </p:cNvPr>
@@ -3656,7 +3687,7 @@
           <p:cNvPr id="3" name="내용 개체 틀 2">
             <a:extLst>
               <a:ext uri="{FF2B5EF4-FFF2-40B4-BE49-F238E27FC236}">
-                <a16:creationId xmlns:a16="http://schemas.microsoft.com/office/drawing/2014/main" id="{FD41BD2D-4260-47E1-A9AA-BA00F8391827}"/>
+                <a16:creationId xmlns:a16="http://schemas.microsoft.com/office/drawing/2014/main" xmlns="" id="{FD41BD2D-4260-47E1-A9AA-BA00F8391827}"/>
               </a:ext>
             </a:extLst>
           </p:cNvPr>
@@ -3703,7 +3734,7 @@
           <p:cNvPr id="11" name="그림 10" descr="텍스트이(가) 표시된 사진&#10;&#10;자동 생성된 설명">
             <a:extLst>
               <a:ext uri="{FF2B5EF4-FFF2-40B4-BE49-F238E27FC236}">
-                <a16:creationId xmlns:a16="http://schemas.microsoft.com/office/drawing/2014/main" id="{23E9389B-1DAF-4067-B245-6694644617C6}"/>
+                <a16:creationId xmlns:a16="http://schemas.microsoft.com/office/drawing/2014/main" xmlns="" id="{23E9389B-1DAF-4067-B245-6694644617C6}"/>
               </a:ext>
             </a:extLst>
           </p:cNvPr>
@@ -3739,7 +3770,7 @@
           <p:cNvPr id="13" name="그림 12" descr="텍스트이(가) 표시된 사진&#10;&#10;자동 생성된 설명">
             <a:extLst>
               <a:ext uri="{FF2B5EF4-FFF2-40B4-BE49-F238E27FC236}">
-                <a16:creationId xmlns:a16="http://schemas.microsoft.com/office/drawing/2014/main" id="{9BE96713-BAA7-4F24-94C6-4559918BC327}"/>
+                <a16:creationId xmlns:a16="http://schemas.microsoft.com/office/drawing/2014/main" xmlns="" id="{9BE96713-BAA7-4F24-94C6-4559918BC327}"/>
               </a:ext>
             </a:extLst>
           </p:cNvPr>
@@ -3775,7 +3806,7 @@
           <p:cNvPr id="15" name="그림 14" descr="텍스트, 표지판이(가) 표시된 사진&#10;&#10;자동 생성된 설명">
             <a:extLst>
               <a:ext uri="{FF2B5EF4-FFF2-40B4-BE49-F238E27FC236}">
-                <a16:creationId xmlns:a16="http://schemas.microsoft.com/office/drawing/2014/main" id="{0C6E05B6-6056-4534-8A9E-055A583EFE5B}"/>
+                <a16:creationId xmlns:a16="http://schemas.microsoft.com/office/drawing/2014/main" xmlns="" id="{0C6E05B6-6056-4534-8A9E-055A583EFE5B}"/>
               </a:ext>
             </a:extLst>
           </p:cNvPr>
@@ -3841,7 +3872,7 @@
           <p:cNvPr id="2" name="제목 1">
             <a:extLst>
               <a:ext uri="{FF2B5EF4-FFF2-40B4-BE49-F238E27FC236}">
-                <a16:creationId xmlns:a16="http://schemas.microsoft.com/office/drawing/2014/main" id="{575A0FAA-BB97-4EF4-B8E0-EE56A36D1890}"/>
+                <a16:creationId xmlns:a16="http://schemas.microsoft.com/office/drawing/2014/main" xmlns="" id="{575A0FAA-BB97-4EF4-B8E0-EE56A36D1890}"/>
               </a:ext>
             </a:extLst>
           </p:cNvPr>
@@ -3873,7 +3904,7 @@
           <p:cNvPr id="3" name="내용 개체 틀 2">
             <a:extLst>
               <a:ext uri="{FF2B5EF4-FFF2-40B4-BE49-F238E27FC236}">
-                <a16:creationId xmlns:a16="http://schemas.microsoft.com/office/drawing/2014/main" id="{FD41BD2D-4260-47E1-A9AA-BA00F8391827}"/>
+                <a16:creationId xmlns:a16="http://schemas.microsoft.com/office/drawing/2014/main" xmlns="" id="{FD41BD2D-4260-47E1-A9AA-BA00F8391827}"/>
               </a:ext>
             </a:extLst>
           </p:cNvPr>
@@ -3942,65 +3973,6 @@
           </a:p>
         </p:txBody>
       </p:sp>
-      <p:pic>
-        <p:nvPicPr>
-          <p:cNvPr id="4" name="그림 3">
-            <a:extLst>
-              <a:ext uri="{FF2B5EF4-FFF2-40B4-BE49-F238E27FC236}">
-                <a16:creationId xmlns:a16="http://schemas.microsoft.com/office/drawing/2014/main" id="{C3A95BDA-7357-4CEB-B15D-BFB7C00DB1B0}"/>
-              </a:ext>
-            </a:extLst>
-          </p:cNvPr>
-          <p:cNvPicPr>
-            <a:picLocks noChangeAspect="1"/>
-          </p:cNvPicPr>
-          <p:nvPr/>
-        </p:nvPicPr>
-        <p:blipFill rotWithShape="1">
-          <a:blip r:embed="rId2"/>
-          <a:srcRect l="2159" t="23820" r="2728" b="2920"/>
-          <a:stretch/>
-        </p:blipFill>
-        <p:spPr>
-          <a:xfrm>
-            <a:off x="7396576" y="311377"/>
-            <a:ext cx="4572000" cy="3145914"/>
-          </a:xfrm>
-          <a:prstGeom prst="rect">
-            <a:avLst/>
-          </a:prstGeom>
-        </p:spPr>
-      </p:pic>
-      <p:pic>
-        <p:nvPicPr>
-          <p:cNvPr id="5" name="그림 4">
-            <a:extLst>
-              <a:ext uri="{FF2B5EF4-FFF2-40B4-BE49-F238E27FC236}">
-                <a16:creationId xmlns:a16="http://schemas.microsoft.com/office/drawing/2014/main" id="{F72F108B-788F-4588-83B3-DD62E62F60FC}"/>
-              </a:ext>
-            </a:extLst>
-          </p:cNvPr>
-          <p:cNvPicPr>
-            <a:picLocks noChangeAspect="1"/>
-          </p:cNvPicPr>
-          <p:nvPr/>
-        </p:nvPicPr>
-        <p:blipFill>
-          <a:blip r:embed="rId3"/>
-          <a:stretch>
-            <a:fillRect/>
-          </a:stretch>
-        </p:blipFill>
-        <p:spPr>
-          <a:xfrm>
-            <a:off x="7396576" y="3524759"/>
-            <a:ext cx="4572000" cy="3143250"/>
-          </a:xfrm>
-          <a:prstGeom prst="rect">
-            <a:avLst/>
-          </a:prstGeom>
-        </p:spPr>
-      </p:pic>
     </p:spTree>
     <p:extLst>
       <p:ext uri="{BB962C8B-B14F-4D97-AF65-F5344CB8AC3E}">
@@ -4036,7 +4008,7 @@
           <p:cNvPr id="2" name="제목 1">
             <a:extLst>
               <a:ext uri="{FF2B5EF4-FFF2-40B4-BE49-F238E27FC236}">
-                <a16:creationId xmlns:a16="http://schemas.microsoft.com/office/drawing/2014/main" id="{559D7FA2-E48D-4FB9-8F7C-69A4D6DAB144}"/>
+                <a16:creationId xmlns:a16="http://schemas.microsoft.com/office/drawing/2014/main" xmlns="" id="{575A0FAA-BB97-4EF4-B8E0-EE56A36D1890}"/>
               </a:ext>
             </a:extLst>
           </p:cNvPr>
@@ -4054,11 +4026,11 @@
           <a:p>
             <a:r>
               <a:rPr lang="en-US" altLang="ko-KR" dirty="0"/>
-              <a:t>Docker </a:t>
+              <a:t>Git</a:t>
             </a:r>
             <a:r>
               <a:rPr lang="ko-KR" altLang="en-US" dirty="0"/>
-              <a:t>필요성</a:t>
+              <a:t>의 필요성</a:t>
             </a:r>
           </a:p>
         </p:txBody>
@@ -4068,7 +4040,7 @@
           <p:cNvPr id="3" name="내용 개체 틀 2">
             <a:extLst>
               <a:ext uri="{FF2B5EF4-FFF2-40B4-BE49-F238E27FC236}">
-                <a16:creationId xmlns:a16="http://schemas.microsoft.com/office/drawing/2014/main" id="{D9E9A0B6-CD7D-45DB-A8C9-14AA87125AD2}"/>
+                <a16:creationId xmlns:a16="http://schemas.microsoft.com/office/drawing/2014/main" xmlns="" id="{FD41BD2D-4260-47E1-A9AA-BA00F8391827}"/>
               </a:ext>
             </a:extLst>
           </p:cNvPr>
@@ -4085,99 +4057,80 @@
           <a:lstStyle/>
           <a:p>
             <a:r>
-              <a:rPr lang="ko-KR" altLang="en-US" dirty="0"/>
-              <a:t>계산에 적합한 </a:t>
-            </a:r>
-            <a:r>
               <a:rPr lang="en-US" altLang="ko-KR" dirty="0"/>
-              <a:t>OS </a:t>
-            </a:r>
-            <a:r>
-              <a:rPr lang="ko-KR" altLang="en-US" dirty="0"/>
-              <a:t>및 </a:t>
-            </a:r>
-            <a:r>
-              <a:rPr lang="en-US" altLang="ko-KR" dirty="0"/>
-              <a:t>Application </a:t>
-            </a:r>
-            <a:r>
-              <a:rPr lang="ko-KR" altLang="en-US" dirty="0"/>
-              <a:t>적용</a:t>
+              <a:t>GitHub, GitHub </a:t>
+            </a:r>
+            <a:r>
+              <a:rPr lang="en-US" altLang="ko-KR" dirty="0" smtClean="0"/>
+              <a:t>Desktop</a:t>
             </a:r>
             <a:endParaRPr lang="en-US" altLang="ko-KR" dirty="0"/>
           </a:p>
-          <a:p>
-            <a:pPr marL="0" indent="0">
-              <a:buNone/>
-            </a:pPr>
-            <a:r>
-              <a:rPr lang="ko-KR" altLang="en-US" dirty="0"/>
-              <a:t>→ 계산용 </a:t>
-            </a:r>
-            <a:r>
-              <a:rPr lang="en-US" altLang="ko-KR" dirty="0"/>
-              <a:t>OS</a:t>
-            </a:r>
-            <a:r>
-              <a:rPr lang="ko-KR" altLang="en-US" dirty="0"/>
-              <a:t>로 </a:t>
-            </a:r>
-            <a:r>
-              <a:rPr lang="en-US" altLang="ko-KR" dirty="0"/>
-              <a:t>Linux </a:t>
-            </a:r>
-            <a:r>
-              <a:rPr lang="ko-KR" altLang="en-US" dirty="0"/>
-              <a:t>사용</a:t>
-            </a:r>
-            <a:endParaRPr lang="en-US" altLang="ko-KR" dirty="0"/>
-          </a:p>
-          <a:p>
-            <a:pPr marL="0" indent="0">
-              <a:buNone/>
-            </a:pPr>
-            <a:r>
-              <a:rPr lang="ko-KR" altLang="en-US" dirty="0"/>
-              <a:t>→ </a:t>
-            </a:r>
-            <a:r>
-              <a:rPr lang="en-US" altLang="ko-KR" dirty="0"/>
-              <a:t>Linux</a:t>
-            </a:r>
-            <a:r>
-              <a:rPr lang="ko-KR" altLang="en-US" dirty="0"/>
-              <a:t>에서 지원하는 </a:t>
-            </a:r>
-            <a:r>
-              <a:rPr lang="en-US" altLang="ko-KR" dirty="0"/>
-              <a:t>Application</a:t>
-            </a:r>
-            <a:r>
-              <a:rPr lang="ko-KR" altLang="en-US" dirty="0"/>
-              <a:t>을 다른 </a:t>
-            </a:r>
-            <a:r>
-              <a:rPr lang="en-US" altLang="ko-KR" dirty="0"/>
-              <a:t>OS</a:t>
-            </a:r>
-            <a:r>
-              <a:rPr lang="ko-KR" altLang="en-US" dirty="0"/>
-              <a:t>에서 사용</a:t>
-            </a:r>
-            <a:endParaRPr lang="en-US" altLang="ko-KR" dirty="0"/>
-          </a:p>
-          <a:p>
-            <a:pPr marL="0" indent="0">
-              <a:buNone/>
-            </a:pPr>
-            <a:endParaRPr lang="ko-KR" altLang="en-US" dirty="0"/>
-          </a:p>
-        </p:txBody>
-      </p:sp>
+        </p:txBody>
+      </p:sp>
+      <p:pic>
+        <p:nvPicPr>
+          <p:cNvPr id="4" name="그림 3">
+            <a:extLst>
+              <a:ext uri="{FF2B5EF4-FFF2-40B4-BE49-F238E27FC236}">
+                <a16:creationId xmlns:a16="http://schemas.microsoft.com/office/drawing/2014/main" xmlns="" id="{C3A95BDA-7357-4CEB-B15D-BFB7C00DB1B0}"/>
+              </a:ext>
+            </a:extLst>
+          </p:cNvPr>
+          <p:cNvPicPr>
+            <a:picLocks noChangeAspect="1"/>
+          </p:cNvPicPr>
+          <p:nvPr/>
+        </p:nvPicPr>
+        <p:blipFill rotWithShape="1">
+          <a:blip r:embed="rId2"/>
+          <a:srcRect l="2159" t="23820" r="2728" b="2920"/>
+          <a:stretch/>
+        </p:blipFill>
+        <p:spPr>
+          <a:xfrm>
+            <a:off x="294015" y="2710711"/>
+            <a:ext cx="5660370" cy="3894802"/>
+          </a:xfrm>
+          <a:prstGeom prst="rect">
+            <a:avLst/>
+          </a:prstGeom>
+        </p:spPr>
+      </p:pic>
+      <p:pic>
+        <p:nvPicPr>
+          <p:cNvPr id="5" name="그림 4">
+            <a:extLst>
+              <a:ext uri="{FF2B5EF4-FFF2-40B4-BE49-F238E27FC236}">
+                <a16:creationId xmlns:a16="http://schemas.microsoft.com/office/drawing/2014/main" xmlns="" id="{F72F108B-788F-4588-83B3-DD62E62F60FC}"/>
+              </a:ext>
+            </a:extLst>
+          </p:cNvPr>
+          <p:cNvPicPr>
+            <a:picLocks noChangeAspect="1"/>
+          </p:cNvPicPr>
+          <p:nvPr/>
+        </p:nvPicPr>
+        <p:blipFill>
+          <a:blip r:embed="rId3"/>
+          <a:stretch>
+            <a:fillRect/>
+          </a:stretch>
+        </p:blipFill>
+        <p:spPr>
+          <a:xfrm>
+            <a:off x="6237615" y="2710711"/>
+            <a:ext cx="5660370" cy="3891504"/>
+          </a:xfrm>
+          <a:prstGeom prst="rect">
+            <a:avLst/>
+          </a:prstGeom>
+        </p:spPr>
+      </p:pic>
     </p:spTree>
     <p:extLst>
       <p:ext uri="{BB962C8B-B14F-4D97-AF65-F5344CB8AC3E}">
-        <p14:creationId xmlns:p14="http://schemas.microsoft.com/office/powerpoint/2010/main" val="2482319216"/>
+        <p14:creationId xmlns:p14="http://schemas.microsoft.com/office/powerpoint/2010/main" val="3324081048"/>
       </p:ext>
     </p:extLst>
   </p:cSld>
@@ -4209,7 +4162,7 @@
           <p:cNvPr id="2" name="제목 1">
             <a:extLst>
               <a:ext uri="{FF2B5EF4-FFF2-40B4-BE49-F238E27FC236}">
-                <a16:creationId xmlns:a16="http://schemas.microsoft.com/office/drawing/2014/main" id="{559D7FA2-E48D-4FB9-8F7C-69A4D6DAB144}"/>
+                <a16:creationId xmlns:a16="http://schemas.microsoft.com/office/drawing/2014/main" xmlns="" id="{559D7FA2-E48D-4FB9-8F7C-69A4D6DAB144}"/>
               </a:ext>
             </a:extLst>
           </p:cNvPr>
@@ -4241,7 +4194,7 @@
           <p:cNvPr id="3" name="내용 개체 틀 2">
             <a:extLst>
               <a:ext uri="{FF2B5EF4-FFF2-40B4-BE49-F238E27FC236}">
-                <a16:creationId xmlns:a16="http://schemas.microsoft.com/office/drawing/2014/main" id="{D9E9A0B6-CD7D-45DB-A8C9-14AA87125AD2}"/>
+                <a16:creationId xmlns:a16="http://schemas.microsoft.com/office/drawing/2014/main" xmlns="" id="{D9E9A0B6-CD7D-45DB-A8C9-14AA87125AD2}"/>
               </a:ext>
             </a:extLst>
           </p:cNvPr>
@@ -4259,7 +4212,23 @@
           <a:p>
             <a:r>
               <a:rPr lang="ko-KR" altLang="en-US" dirty="0"/>
-              <a:t>다양한 환경에서 시뮬레이션 구동</a:t>
+              <a:t>계산에 적합한 </a:t>
+            </a:r>
+            <a:r>
+              <a:rPr lang="en-US" altLang="ko-KR" dirty="0"/>
+              <a:t>OS </a:t>
+            </a:r>
+            <a:r>
+              <a:rPr lang="ko-KR" altLang="en-US" dirty="0"/>
+              <a:t>및 </a:t>
+            </a:r>
+            <a:r>
+              <a:rPr lang="en-US" altLang="ko-KR" dirty="0"/>
+              <a:t>Application </a:t>
+            </a:r>
+            <a:r>
+              <a:rPr lang="ko-KR" altLang="en-US" dirty="0"/>
+              <a:t>적용</a:t>
             </a:r>
             <a:endParaRPr lang="en-US" altLang="ko-KR" dirty="0"/>
           </a:p>
@@ -4269,7 +4238,23 @@
             </a:pPr>
             <a:r>
               <a:rPr lang="ko-KR" altLang="en-US" dirty="0"/>
-              <a:t>→ 각자 다른 시스템에서 구현한 시뮬레이션의 표준화</a:t>
+              <a:t>→ 계산용 </a:t>
+            </a:r>
+            <a:r>
+              <a:rPr lang="en-US" altLang="ko-KR" dirty="0"/>
+              <a:t>OS</a:t>
+            </a:r>
+            <a:r>
+              <a:rPr lang="ko-KR" altLang="en-US" dirty="0"/>
+              <a:t>로 </a:t>
+            </a:r>
+            <a:r>
+              <a:rPr lang="en-US" altLang="ko-KR" dirty="0"/>
+              <a:t>Linux </a:t>
+            </a:r>
+            <a:r>
+              <a:rPr lang="ko-KR" altLang="en-US" dirty="0"/>
+              <a:t>사용</a:t>
             </a:r>
             <a:endParaRPr lang="en-US" altLang="ko-KR" dirty="0"/>
           </a:p>
@@ -4279,15 +4264,46 @@
             </a:pPr>
             <a:r>
               <a:rPr lang="ko-KR" altLang="en-US" dirty="0"/>
-              <a:t>→ 동일한 환경을 만들어 오류 축소 및 최적화</a:t>
-            </a:r>
+              <a:t>→ </a:t>
+            </a:r>
+            <a:r>
+              <a:rPr lang="en-US" altLang="ko-KR" dirty="0"/>
+              <a:t>Linux</a:t>
+            </a:r>
+            <a:r>
+              <a:rPr lang="ko-KR" altLang="en-US" dirty="0"/>
+              <a:t>에서 지원하는 </a:t>
+            </a:r>
+            <a:r>
+              <a:rPr lang="en-US" altLang="ko-KR" dirty="0"/>
+              <a:t>Application</a:t>
+            </a:r>
+            <a:r>
+              <a:rPr lang="ko-KR" altLang="en-US" dirty="0"/>
+              <a:t>을 다른 </a:t>
+            </a:r>
+            <a:r>
+              <a:rPr lang="en-US" altLang="ko-KR" dirty="0"/>
+              <a:t>OS</a:t>
+            </a:r>
+            <a:r>
+              <a:rPr lang="ko-KR" altLang="en-US" dirty="0"/>
+              <a:t>에서 사용</a:t>
+            </a:r>
+            <a:endParaRPr lang="en-US" altLang="ko-KR" dirty="0"/>
+          </a:p>
+          <a:p>
+            <a:pPr marL="0" indent="0">
+              <a:buNone/>
+            </a:pPr>
+            <a:endParaRPr lang="ko-KR" altLang="en-US" dirty="0"/>
           </a:p>
         </p:txBody>
       </p:sp>
     </p:spTree>
     <p:extLst>
       <p:ext uri="{BB962C8B-B14F-4D97-AF65-F5344CB8AC3E}">
-        <p14:creationId xmlns:p14="http://schemas.microsoft.com/office/powerpoint/2010/main" val="62135091"/>
+        <p14:creationId xmlns:p14="http://schemas.microsoft.com/office/powerpoint/2010/main" val="2482319216"/>
       </p:ext>
     </p:extLst>
   </p:cSld>
@@ -4319,7 +4335,7 @@
           <p:cNvPr id="2" name="제목 1">
             <a:extLst>
               <a:ext uri="{FF2B5EF4-FFF2-40B4-BE49-F238E27FC236}">
-                <a16:creationId xmlns:a16="http://schemas.microsoft.com/office/drawing/2014/main" id="{559D7FA2-E48D-4FB9-8F7C-69A4D6DAB144}"/>
+                <a16:creationId xmlns:a16="http://schemas.microsoft.com/office/drawing/2014/main" xmlns="" id="{559D7FA2-E48D-4FB9-8F7C-69A4D6DAB144}"/>
               </a:ext>
             </a:extLst>
           </p:cNvPr>
@@ -4336,8 +4352,12 @@
           <a:lstStyle/>
           <a:p>
             <a:r>
+              <a:rPr lang="en-US" altLang="ko-KR" dirty="0"/>
+              <a:t>Docker </a:t>
+            </a:r>
+            <a:r>
               <a:rPr lang="ko-KR" altLang="en-US" dirty="0"/>
-              <a:t>목 표</a:t>
+              <a:t>필요성</a:t>
             </a:r>
           </a:p>
         </p:txBody>
@@ -4347,7 +4367,7 @@
           <p:cNvPr id="3" name="내용 개체 틀 2">
             <a:extLst>
               <a:ext uri="{FF2B5EF4-FFF2-40B4-BE49-F238E27FC236}">
-                <a16:creationId xmlns:a16="http://schemas.microsoft.com/office/drawing/2014/main" id="{D9E9A0B6-CD7D-45DB-A8C9-14AA87125AD2}"/>
+                <a16:creationId xmlns:a16="http://schemas.microsoft.com/office/drawing/2014/main" xmlns="" id="{D9E9A0B6-CD7D-45DB-A8C9-14AA87125AD2}"/>
               </a:ext>
             </a:extLst>
           </p:cNvPr>
@@ -4363,20 +4383,819 @@
           <a:bodyPr/>
           <a:lstStyle/>
           <a:p>
-            <a:endParaRPr lang="ko-KR" altLang="en-US" dirty="0"/>
+            <a:r>
+              <a:rPr lang="ko-KR" altLang="en-US" dirty="0"/>
+              <a:t>다양한 환경에서 시뮬레이션 구동</a:t>
+            </a:r>
+            <a:endParaRPr lang="en-US" altLang="ko-KR" dirty="0"/>
+          </a:p>
+          <a:p>
+            <a:pPr marL="0" indent="0">
+              <a:buNone/>
+            </a:pPr>
+            <a:r>
+              <a:rPr lang="ko-KR" altLang="en-US" dirty="0"/>
+              <a:t>→ 각자 다른 시스템에서 구현한 시뮬레이션의 표준화</a:t>
+            </a:r>
+            <a:endParaRPr lang="en-US" altLang="ko-KR" dirty="0"/>
+          </a:p>
+          <a:p>
+            <a:pPr marL="0" indent="0">
+              <a:buNone/>
+            </a:pPr>
+            <a:r>
+              <a:rPr lang="ko-KR" altLang="en-US" dirty="0"/>
+              <a:t>→ 동일한 환경을 만들어 오류 축소 및 최적화</a:t>
+            </a:r>
           </a:p>
         </p:txBody>
       </p:sp>
     </p:spTree>
     <p:extLst>
       <p:ext uri="{BB962C8B-B14F-4D97-AF65-F5344CB8AC3E}">
-        <p14:creationId xmlns:p14="http://schemas.microsoft.com/office/powerpoint/2010/main" val="2804752188"/>
+        <p14:creationId xmlns:p14="http://schemas.microsoft.com/office/powerpoint/2010/main" val="62135091"/>
       </p:ext>
     </p:extLst>
   </p:cSld>
   <p:clrMapOvr>
     <a:masterClrMapping/>
   </p:clrMapOvr>
+</p:sld>
+</file>
+
+<file path=ppt/slides/slide15.xml><?xml version="1.0" encoding="utf-8"?>
+<p:sld xmlns:a="http://schemas.openxmlformats.org/drawingml/2006/main" xmlns:r="http://schemas.openxmlformats.org/officeDocument/2006/relationships" xmlns:p="http://schemas.openxmlformats.org/presentationml/2006/main">
+  <p:cSld>
+    <p:spTree>
+      <p:nvGrpSpPr>
+        <p:cNvPr id="1" name=""/>
+        <p:cNvGrpSpPr/>
+        <p:nvPr/>
+      </p:nvGrpSpPr>
+      <p:grpSpPr>
+        <a:xfrm>
+          <a:off x="0" y="0"/>
+          <a:ext cx="0" cy="0"/>
+          <a:chOff x="0" y="0"/>
+          <a:chExt cx="0" cy="0"/>
+        </a:xfrm>
+      </p:grpSpPr>
+      <p:sp>
+        <p:nvSpPr>
+          <p:cNvPr id="2" name="제목 1"/>
+          <p:cNvSpPr>
+            <a:spLocks noGrp="1"/>
+          </p:cNvSpPr>
+          <p:nvPr>
+            <p:ph type="title"/>
+          </p:nvPr>
+        </p:nvSpPr>
+        <p:spPr/>
+        <p:txBody>
+          <a:bodyPr/>
+          <a:lstStyle/>
+          <a:p>
+            <a:r>
+              <a:rPr lang="en-US" altLang="ko-KR" dirty="0" smtClean="0"/>
+              <a:t>Docker </a:t>
+            </a:r>
+            <a:r>
+              <a:rPr lang="ko-KR" altLang="en-US" dirty="0" smtClean="0"/>
+              <a:t>필요성</a:t>
+            </a:r>
+            <a:endParaRPr lang="ko-KR" altLang="en-US" dirty="0"/>
+          </a:p>
+        </p:txBody>
+      </p:sp>
+      <p:sp>
+        <p:nvSpPr>
+          <p:cNvPr id="3" name="내용 개체 틀 2"/>
+          <p:cNvSpPr>
+            <a:spLocks noGrp="1"/>
+          </p:cNvSpPr>
+          <p:nvPr>
+            <p:ph idx="1"/>
+          </p:nvPr>
+        </p:nvSpPr>
+        <p:spPr/>
+        <p:txBody>
+          <a:bodyPr/>
+          <a:lstStyle/>
+          <a:p>
+            <a:r>
+              <a:rPr lang="ko-KR" altLang="en-US" dirty="0" smtClean="0"/>
+              <a:t>다양한 </a:t>
+            </a:r>
+            <a:r>
+              <a:rPr lang="en-US" altLang="ko-KR" dirty="0" smtClean="0"/>
+              <a:t>OS</a:t>
+            </a:r>
+            <a:r>
+              <a:rPr lang="ko-KR" altLang="en-US" dirty="0" smtClean="0"/>
+              <a:t>에서 독립적인 동일 환경 제공</a:t>
+            </a:r>
+            <a:endParaRPr lang="en-US" altLang="ko-KR" dirty="0" smtClean="0"/>
+          </a:p>
+        </p:txBody>
+      </p:sp>
+      <p:pic>
+        <p:nvPicPr>
+          <p:cNvPr id="4" name="그림 3"/>
+          <p:cNvPicPr>
+            <a:picLocks noChangeAspect="1"/>
+          </p:cNvPicPr>
+          <p:nvPr/>
+        </p:nvPicPr>
+        <p:blipFill>
+          <a:blip r:embed="rId2" cstate="print">
+            <a:extLst>
+              <a:ext uri="{28A0092B-C50C-407E-A947-70E740481C1C}">
+                <a14:useLocalDpi xmlns:a14="http://schemas.microsoft.com/office/drawing/2010/main" val="0"/>
+              </a:ext>
+            </a:extLst>
+          </a:blip>
+          <a:stretch>
+            <a:fillRect/>
+          </a:stretch>
+        </p:blipFill>
+        <p:spPr>
+          <a:xfrm>
+            <a:off x="2251934" y="2803308"/>
+            <a:ext cx="7688132" cy="3567294"/>
+          </a:xfrm>
+          <a:prstGeom prst="rect">
+            <a:avLst/>
+          </a:prstGeom>
+        </p:spPr>
+      </p:pic>
+    </p:spTree>
+    <p:extLst>
+      <p:ext uri="{BB962C8B-B14F-4D97-AF65-F5344CB8AC3E}">
+        <p14:creationId xmlns:p14="http://schemas.microsoft.com/office/powerpoint/2010/main" val="2629859083"/>
+      </p:ext>
+    </p:extLst>
+  </p:cSld>
+  <p:clrMapOvr>
+    <a:masterClrMapping/>
+  </p:clrMapOvr>
+</p:sld>
+</file>
+
+<file path=ppt/slides/slide16.xml><?xml version="1.0" encoding="utf-8"?>
+<p:sld xmlns:a="http://schemas.openxmlformats.org/drawingml/2006/main" xmlns:r="http://schemas.openxmlformats.org/officeDocument/2006/relationships" xmlns:p="http://schemas.openxmlformats.org/presentationml/2006/main">
+  <p:cSld>
+    <p:spTree>
+      <p:nvGrpSpPr>
+        <p:cNvPr id="1" name=""/>
+        <p:cNvGrpSpPr/>
+        <p:nvPr/>
+      </p:nvGrpSpPr>
+      <p:grpSpPr>
+        <a:xfrm>
+          <a:off x="0" y="0"/>
+          <a:ext cx="0" cy="0"/>
+          <a:chOff x="0" y="0"/>
+          <a:chExt cx="0" cy="0"/>
+        </a:xfrm>
+      </p:grpSpPr>
+      <p:sp>
+        <p:nvSpPr>
+          <p:cNvPr id="2" name="제목 1"/>
+          <p:cNvSpPr>
+            <a:spLocks noGrp="1"/>
+          </p:cNvSpPr>
+          <p:nvPr>
+            <p:ph type="title"/>
+          </p:nvPr>
+        </p:nvSpPr>
+        <p:spPr/>
+        <p:txBody>
+          <a:bodyPr/>
+          <a:lstStyle/>
+          <a:p>
+            <a:r>
+              <a:rPr lang="en-US" altLang="ko-KR" dirty="0" smtClean="0"/>
+              <a:t>Docker </a:t>
+            </a:r>
+            <a:r>
+              <a:rPr lang="ko-KR" altLang="en-US" dirty="0" smtClean="0"/>
+              <a:t>필요성</a:t>
+            </a:r>
+            <a:endParaRPr lang="ko-KR" altLang="en-US" dirty="0"/>
+          </a:p>
+        </p:txBody>
+      </p:sp>
+      <p:sp>
+        <p:nvSpPr>
+          <p:cNvPr id="3" name="내용 개체 틀 2"/>
+          <p:cNvSpPr>
+            <a:spLocks noGrp="1"/>
+          </p:cNvSpPr>
+          <p:nvPr>
+            <p:ph idx="1"/>
+          </p:nvPr>
+        </p:nvSpPr>
+        <p:spPr/>
+        <p:txBody>
+          <a:bodyPr/>
+          <a:lstStyle/>
+          <a:p>
+            <a:r>
+              <a:rPr lang="en-US" altLang="ko-KR" dirty="0" smtClean="0"/>
+              <a:t>Linux: </a:t>
+            </a:r>
+            <a:r>
+              <a:rPr lang="ko-KR" altLang="en-US" dirty="0" smtClean="0"/>
+              <a:t>과학기술 연산용 운영 체제</a:t>
+            </a:r>
+            <a:endParaRPr lang="en-US" altLang="ko-KR" dirty="0" smtClean="0"/>
+          </a:p>
+          <a:p>
+            <a:r>
+              <a:rPr lang="en-US" altLang="ko-KR" dirty="0" smtClean="0"/>
+              <a:t>FENICS: </a:t>
+            </a:r>
+            <a:r>
+              <a:rPr lang="ko-KR" altLang="en-US" dirty="0" err="1" smtClean="0"/>
+              <a:t>편미분</a:t>
+            </a:r>
+            <a:r>
+              <a:rPr lang="ko-KR" altLang="en-US" dirty="0" smtClean="0"/>
+              <a:t> 방정식 해석에 특화</a:t>
+            </a:r>
+            <a:r>
+              <a:rPr lang="en-US" altLang="ko-KR" dirty="0" smtClean="0"/>
+              <a:t>, </a:t>
+            </a:r>
+            <a:r>
+              <a:rPr lang="ko-KR" altLang="en-US" dirty="0" smtClean="0"/>
+              <a:t>주피터와 연동 가능</a:t>
+            </a:r>
+            <a:r>
+              <a:rPr lang="en-US" altLang="ko-KR" dirty="0" smtClean="0"/>
+              <a:t>(Linux, Mac)</a:t>
+            </a:r>
+          </a:p>
+          <a:p>
+            <a:endParaRPr lang="en-US" altLang="ko-KR" dirty="0" smtClean="0"/>
+          </a:p>
+        </p:txBody>
+      </p:sp>
+      <p:pic>
+        <p:nvPicPr>
+          <p:cNvPr id="1026" name="Picture 2" descr="fenicsì ëí ì´ë¯¸ì§ ê²ìê²°ê³¼"/>
+          <p:cNvPicPr>
+            <a:picLocks noChangeAspect="1" noChangeArrowheads="1"/>
+          </p:cNvPicPr>
+          <p:nvPr/>
+        </p:nvPicPr>
+        <p:blipFill>
+          <a:blip r:embed="rId2" cstate="print">
+            <a:extLst>
+              <a:ext uri="{28A0092B-C50C-407E-A947-70E740481C1C}">
+                <a14:useLocalDpi xmlns:a14="http://schemas.microsoft.com/office/drawing/2010/main" val="0"/>
+              </a:ext>
+            </a:extLst>
+          </a:blip>
+          <a:srcRect/>
+          <a:stretch>
+            <a:fillRect/>
+          </a:stretch>
+        </p:blipFill>
+        <p:spPr bwMode="auto">
+          <a:xfrm rot="10800000" flipH="1" flipV="1">
+            <a:off x="6858195" y="4149624"/>
+            <a:ext cx="4356709" cy="1521970"/>
+          </a:xfrm>
+          <a:prstGeom prst="rect">
+            <a:avLst/>
+          </a:prstGeom>
+          <a:noFill/>
+          <a:extLst>
+            <a:ext uri="{909E8E84-426E-40DD-AFC4-6F175D3DCCD1}">
+              <a14:hiddenFill xmlns:a14="http://schemas.microsoft.com/office/drawing/2010/main">
+                <a:solidFill>
+                  <a:srgbClr val="FFFFFF"/>
+                </a:solidFill>
+              </a14:hiddenFill>
+            </a:ext>
+          </a:extLst>
+        </p:spPr>
+      </p:pic>
+      <p:pic>
+        <p:nvPicPr>
+          <p:cNvPr id="5" name="그림 4"/>
+          <p:cNvPicPr>
+            <a:picLocks noChangeAspect="1"/>
+          </p:cNvPicPr>
+          <p:nvPr/>
+        </p:nvPicPr>
+        <p:blipFill rotWithShape="1">
+          <a:blip r:embed="rId3"/>
+          <a:srcRect l="9208" t="40000" r="60886" b="28439"/>
+          <a:stretch/>
+        </p:blipFill>
+        <p:spPr>
+          <a:xfrm>
+            <a:off x="838200" y="3565001"/>
+            <a:ext cx="4973256" cy="2952377"/>
+          </a:xfrm>
+          <a:prstGeom prst="rect">
+            <a:avLst/>
+          </a:prstGeom>
+        </p:spPr>
+      </p:pic>
+    </p:spTree>
+    <p:extLst>
+      <p:ext uri="{BB962C8B-B14F-4D97-AF65-F5344CB8AC3E}">
+        <p14:creationId xmlns:p14="http://schemas.microsoft.com/office/powerpoint/2010/main" val="2884518096"/>
+      </p:ext>
+    </p:extLst>
+  </p:cSld>
+  <p:clrMapOvr>
+    <a:masterClrMapping/>
+  </p:clrMapOvr>
+</p:sld>
+</file>
+
+<file path=ppt/slides/slide17.xml><?xml version="1.0" encoding="utf-8"?>
+<p:sld xmlns:a="http://schemas.openxmlformats.org/drawingml/2006/main" xmlns:r="http://schemas.openxmlformats.org/officeDocument/2006/relationships" xmlns:p="http://schemas.openxmlformats.org/presentationml/2006/main">
+  <p:cSld>
+    <p:spTree>
+      <p:nvGrpSpPr>
+        <p:cNvPr id="1" name=""/>
+        <p:cNvGrpSpPr/>
+        <p:nvPr/>
+      </p:nvGrpSpPr>
+      <p:grpSpPr>
+        <a:xfrm>
+          <a:off x="0" y="0"/>
+          <a:ext cx="0" cy="0"/>
+          <a:chOff x="0" y="0"/>
+          <a:chExt cx="0" cy="0"/>
+        </a:xfrm>
+      </p:grpSpPr>
+      <p:sp>
+        <p:nvSpPr>
+          <p:cNvPr id="2" name="제목 1"/>
+          <p:cNvSpPr>
+            <a:spLocks noGrp="1"/>
+          </p:cNvSpPr>
+          <p:nvPr>
+            <p:ph type="title"/>
+          </p:nvPr>
+        </p:nvSpPr>
+        <p:spPr/>
+        <p:txBody>
+          <a:bodyPr/>
+          <a:lstStyle/>
+          <a:p>
+            <a:r>
+              <a:rPr lang="en-US" altLang="ko-KR" dirty="0" smtClean="0"/>
+              <a:t>Docker </a:t>
+            </a:r>
+            <a:r>
+              <a:rPr lang="ko-KR" altLang="en-US" dirty="0" smtClean="0"/>
+              <a:t>필요성</a:t>
+            </a:r>
+            <a:endParaRPr lang="ko-KR" altLang="en-US" dirty="0"/>
+          </a:p>
+        </p:txBody>
+      </p:sp>
+      <p:sp>
+        <p:nvSpPr>
+          <p:cNvPr id="3" name="내용 개체 틀 2"/>
+          <p:cNvSpPr>
+            <a:spLocks noGrp="1"/>
+          </p:cNvSpPr>
+          <p:nvPr>
+            <p:ph idx="1"/>
+          </p:nvPr>
+        </p:nvSpPr>
+        <p:spPr/>
+        <p:txBody>
+          <a:bodyPr/>
+          <a:lstStyle/>
+          <a:p>
+            <a:r>
+              <a:rPr lang="ko-KR" altLang="en-US" dirty="0" smtClean="0"/>
+              <a:t>표준화 과정이 필요 없어 배포 과정 단순화</a:t>
+            </a:r>
+            <a:endParaRPr lang="en-US" altLang="ko-KR" dirty="0" smtClean="0"/>
+          </a:p>
+        </p:txBody>
+      </p:sp>
+      <p:pic>
+        <p:nvPicPr>
+          <p:cNvPr id="5" name="그림 4"/>
+          <p:cNvPicPr>
+            <a:picLocks noChangeAspect="1"/>
+          </p:cNvPicPr>
+          <p:nvPr/>
+        </p:nvPicPr>
+        <p:blipFill>
+          <a:blip r:embed="rId2" cstate="print">
+            <a:extLst>
+              <a:ext uri="{28A0092B-C50C-407E-A947-70E740481C1C}">
+                <a14:useLocalDpi xmlns:a14="http://schemas.microsoft.com/office/drawing/2010/main" val="0"/>
+              </a:ext>
+            </a:extLst>
+          </a:blip>
+          <a:stretch>
+            <a:fillRect/>
+          </a:stretch>
+        </p:blipFill>
+        <p:spPr>
+          <a:xfrm>
+            <a:off x="5898620" y="3100744"/>
+            <a:ext cx="6293380" cy="3275704"/>
+          </a:xfrm>
+          <a:prstGeom prst="rect">
+            <a:avLst/>
+          </a:prstGeom>
+        </p:spPr>
+      </p:pic>
+      <p:pic>
+        <p:nvPicPr>
+          <p:cNvPr id="6" name="그림 5"/>
+          <p:cNvPicPr>
+            <a:picLocks noChangeAspect="1"/>
+          </p:cNvPicPr>
+          <p:nvPr/>
+        </p:nvPicPr>
+        <p:blipFill>
+          <a:blip r:embed="rId3" cstate="print">
+            <a:extLst>
+              <a:ext uri="{28A0092B-C50C-407E-A947-70E740481C1C}">
+                <a14:useLocalDpi xmlns:a14="http://schemas.microsoft.com/office/drawing/2010/main" val="0"/>
+              </a:ext>
+            </a:extLst>
+          </a:blip>
+          <a:stretch>
+            <a:fillRect/>
+          </a:stretch>
+        </p:blipFill>
+        <p:spPr>
+          <a:xfrm>
+            <a:off x="0" y="3100744"/>
+            <a:ext cx="6293380" cy="3275704"/>
+          </a:xfrm>
+          <a:prstGeom prst="rect">
+            <a:avLst/>
+          </a:prstGeom>
+        </p:spPr>
+      </p:pic>
+    </p:spTree>
+    <p:extLst>
+      <p:ext uri="{BB962C8B-B14F-4D97-AF65-F5344CB8AC3E}">
+        <p14:creationId xmlns:p14="http://schemas.microsoft.com/office/powerpoint/2010/main" val="2390854494"/>
+      </p:ext>
+    </p:extLst>
+  </p:cSld>
+  <p:clrMapOvr>
+    <a:masterClrMapping/>
+  </p:clrMapOvr>
+</p:sld>
+</file>
+
+<file path=ppt/slides/slide18.xml><?xml version="1.0" encoding="utf-8"?>
+<p:sld xmlns:a="http://schemas.openxmlformats.org/drawingml/2006/main" xmlns:r="http://schemas.openxmlformats.org/officeDocument/2006/relationships" xmlns:p="http://schemas.openxmlformats.org/presentationml/2006/main">
+  <p:cSld>
+    <p:spTree>
+      <p:nvGrpSpPr>
+        <p:cNvPr id="1" name=""/>
+        <p:cNvGrpSpPr/>
+        <p:nvPr/>
+      </p:nvGrpSpPr>
+      <p:grpSpPr>
+        <a:xfrm>
+          <a:off x="0" y="0"/>
+          <a:ext cx="0" cy="0"/>
+          <a:chOff x="0" y="0"/>
+          <a:chExt cx="0" cy="0"/>
+        </a:xfrm>
+      </p:grpSpPr>
+      <p:sp>
+        <p:nvSpPr>
+          <p:cNvPr id="2" name="제목 1"/>
+          <p:cNvSpPr>
+            <a:spLocks noGrp="1"/>
+          </p:cNvSpPr>
+          <p:nvPr>
+            <p:ph type="title"/>
+          </p:nvPr>
+        </p:nvSpPr>
+        <p:spPr/>
+        <p:txBody>
+          <a:bodyPr/>
+          <a:lstStyle/>
+          <a:p>
+            <a:r>
+              <a:rPr lang="en-US" altLang="ko-KR" dirty="0" smtClean="0"/>
+              <a:t>Docker </a:t>
+            </a:r>
+            <a:r>
+              <a:rPr lang="ko-KR" altLang="en-US" dirty="0" smtClean="0"/>
+              <a:t>필요성</a:t>
+            </a:r>
+            <a:endParaRPr lang="ko-KR" altLang="en-US" dirty="0"/>
+          </a:p>
+        </p:txBody>
+      </p:sp>
+      <p:sp>
+        <p:nvSpPr>
+          <p:cNvPr id="3" name="내용 개체 틀 2"/>
+          <p:cNvSpPr>
+            <a:spLocks noGrp="1"/>
+          </p:cNvSpPr>
+          <p:nvPr>
+            <p:ph idx="1"/>
+          </p:nvPr>
+        </p:nvSpPr>
+        <p:spPr/>
+        <p:txBody>
+          <a:bodyPr/>
+          <a:lstStyle/>
+          <a:p>
+            <a:r>
+              <a:rPr lang="en-US" altLang="ko-KR" dirty="0" smtClean="0"/>
+              <a:t>Docker Server </a:t>
+            </a:r>
+            <a:r>
+              <a:rPr lang="ko-KR" altLang="en-US" dirty="0" smtClean="0"/>
+              <a:t>구현</a:t>
+            </a:r>
+            <a:endParaRPr lang="en-US" altLang="ko-KR" dirty="0" smtClean="0"/>
+          </a:p>
+          <a:p>
+            <a:pPr marL="0" indent="0">
+              <a:buNone/>
+            </a:pPr>
+            <a:r>
+              <a:rPr lang="ko-KR" altLang="en-US" dirty="0" smtClean="0"/>
+              <a:t>→ </a:t>
+            </a:r>
+            <a:r>
+              <a:rPr lang="en-US" altLang="ko-KR" dirty="0" smtClean="0"/>
+              <a:t>Nginx </a:t>
+            </a:r>
+            <a:r>
+              <a:rPr lang="ko-KR" altLang="en-US" dirty="0" smtClean="0"/>
+              <a:t>이미지로 만든 웹 서버</a:t>
+            </a:r>
+            <a:endParaRPr lang="en-US" altLang="ko-KR" dirty="0"/>
+          </a:p>
+          <a:p>
+            <a:pPr marL="0" indent="0">
+              <a:buNone/>
+            </a:pPr>
+            <a:r>
+              <a:rPr lang="ko-KR" altLang="en-US" dirty="0" smtClean="0"/>
+              <a:t>→ 공간적인 제약 없이 쉽게 접근 가능</a:t>
+            </a:r>
+            <a:endParaRPr lang="en-US" altLang="ko-KR" dirty="0"/>
+          </a:p>
+          <a:p>
+            <a:pPr marL="0" indent="0">
+              <a:buNone/>
+            </a:pPr>
+            <a:r>
+              <a:rPr lang="ko-KR" altLang="en-US" dirty="0" smtClean="0"/>
+              <a:t>→ </a:t>
+            </a:r>
+            <a:r>
+              <a:rPr lang="en-US" altLang="ko-KR" dirty="0" smtClean="0"/>
+              <a:t>Nginx: Web Server</a:t>
+            </a:r>
+            <a:r>
+              <a:rPr lang="ko-KR" altLang="en-US" dirty="0" smtClean="0"/>
+              <a:t> 소프트웨어</a:t>
+            </a:r>
+            <a:endParaRPr lang="en-US" altLang="ko-KR" dirty="0" smtClean="0"/>
+          </a:p>
+        </p:txBody>
+      </p:sp>
+      <p:pic>
+        <p:nvPicPr>
+          <p:cNvPr id="2050" name="Picture 2" descr="docker nginxì ëí ì´ë¯¸ì§ ê²ìê²°ê³¼"/>
+          <p:cNvPicPr>
+            <a:picLocks noChangeAspect="1" noChangeArrowheads="1"/>
+          </p:cNvPicPr>
+          <p:nvPr/>
+        </p:nvPicPr>
+        <p:blipFill>
+          <a:blip r:embed="rId2">
+            <a:extLst>
+              <a:ext uri="{28A0092B-C50C-407E-A947-70E740481C1C}">
+                <a14:useLocalDpi xmlns:a14="http://schemas.microsoft.com/office/drawing/2010/main" val="0"/>
+              </a:ext>
+            </a:extLst>
+          </a:blip>
+          <a:srcRect/>
+          <a:stretch>
+            <a:fillRect/>
+          </a:stretch>
+        </p:blipFill>
+        <p:spPr bwMode="auto">
+          <a:xfrm>
+            <a:off x="6972440" y="2498940"/>
+            <a:ext cx="4497448" cy="2518571"/>
+          </a:xfrm>
+          <a:prstGeom prst="rect">
+            <a:avLst/>
+          </a:prstGeom>
+          <a:noFill/>
+          <a:extLst>
+            <a:ext uri="{909E8E84-426E-40DD-AFC4-6F175D3DCCD1}">
+              <a14:hiddenFill xmlns:a14="http://schemas.microsoft.com/office/drawing/2010/main">
+                <a:solidFill>
+                  <a:srgbClr val="FFFFFF"/>
+                </a:solidFill>
+              </a14:hiddenFill>
+            </a:ext>
+          </a:extLst>
+        </p:spPr>
+      </p:pic>
+    </p:spTree>
+    <p:extLst>
+      <p:ext uri="{BB962C8B-B14F-4D97-AF65-F5344CB8AC3E}">
+        <p14:creationId xmlns:p14="http://schemas.microsoft.com/office/powerpoint/2010/main" val="1833558329"/>
+      </p:ext>
+    </p:extLst>
+  </p:cSld>
+  <p:clrMapOvr>
+    <a:masterClrMapping/>
+  </p:clrMapOvr>
+  <p:timing>
+    <p:tnLst>
+      <p:par>
+        <p:cTn id="1" dur="indefinite" restart="never" nodeType="tmRoot"/>
+      </p:par>
+    </p:tnLst>
+  </p:timing>
+</p:sld>
+</file>
+
+<file path=ppt/slides/slide19.xml><?xml version="1.0" encoding="utf-8"?>
+<p:sld xmlns:a="http://schemas.openxmlformats.org/drawingml/2006/main" xmlns:r="http://schemas.openxmlformats.org/officeDocument/2006/relationships" xmlns:p="http://schemas.openxmlformats.org/presentationml/2006/main">
+  <p:cSld>
+    <p:spTree>
+      <p:nvGrpSpPr>
+        <p:cNvPr id="1" name=""/>
+        <p:cNvGrpSpPr/>
+        <p:nvPr/>
+      </p:nvGrpSpPr>
+      <p:grpSpPr>
+        <a:xfrm>
+          <a:off x="0" y="0"/>
+          <a:ext cx="0" cy="0"/>
+          <a:chOff x="0" y="0"/>
+          <a:chExt cx="0" cy="0"/>
+        </a:xfrm>
+      </p:grpSpPr>
+      <p:sp>
+        <p:nvSpPr>
+          <p:cNvPr id="2" name="제목 1"/>
+          <p:cNvSpPr>
+            <a:spLocks noGrp="1"/>
+          </p:cNvSpPr>
+          <p:nvPr>
+            <p:ph type="title"/>
+          </p:nvPr>
+        </p:nvSpPr>
+        <p:spPr/>
+        <p:txBody>
+          <a:bodyPr/>
+          <a:lstStyle/>
+          <a:p>
+            <a:r>
+              <a:rPr lang="en-US" altLang="ko-KR" dirty="0" smtClean="0"/>
+              <a:t>Docker </a:t>
+            </a:r>
+            <a:r>
+              <a:rPr lang="ko-KR" altLang="en-US" dirty="0" smtClean="0"/>
+              <a:t>필요성</a:t>
+            </a:r>
+            <a:endParaRPr lang="ko-KR" altLang="en-US" dirty="0"/>
+          </a:p>
+        </p:txBody>
+      </p:sp>
+      <p:sp>
+        <p:nvSpPr>
+          <p:cNvPr id="3" name="내용 개체 틀 2"/>
+          <p:cNvSpPr>
+            <a:spLocks noGrp="1"/>
+          </p:cNvSpPr>
+          <p:nvPr>
+            <p:ph idx="1"/>
+          </p:nvPr>
+        </p:nvSpPr>
+        <p:spPr/>
+        <p:txBody>
+          <a:bodyPr/>
+          <a:lstStyle/>
+          <a:p>
+            <a:r>
+              <a:rPr lang="en-US" altLang="ko-KR" dirty="0" smtClean="0"/>
+              <a:t>Docker Server </a:t>
+            </a:r>
+            <a:r>
+              <a:rPr lang="ko-KR" altLang="en-US" dirty="0" smtClean="0"/>
+              <a:t>구현</a:t>
+            </a:r>
+            <a:endParaRPr lang="en-US" altLang="ko-KR" dirty="0" smtClean="0"/>
+          </a:p>
+        </p:txBody>
+      </p:sp>
+      <p:pic>
+        <p:nvPicPr>
+          <p:cNvPr id="4" name="그림 3"/>
+          <p:cNvPicPr>
+            <a:picLocks noChangeAspect="1"/>
+          </p:cNvPicPr>
+          <p:nvPr/>
+        </p:nvPicPr>
+        <p:blipFill>
+          <a:blip r:embed="rId2"/>
+          <a:stretch>
+            <a:fillRect/>
+          </a:stretch>
+        </p:blipFill>
+        <p:spPr>
+          <a:xfrm>
+            <a:off x="4930151" y="1690688"/>
+            <a:ext cx="6753225" cy="4876800"/>
+          </a:xfrm>
+          <a:prstGeom prst="rect">
+            <a:avLst/>
+          </a:prstGeom>
+        </p:spPr>
+      </p:pic>
+      <p:sp>
+        <p:nvSpPr>
+          <p:cNvPr id="5" name="타원 4"/>
+          <p:cNvSpPr/>
+          <p:nvPr/>
+        </p:nvSpPr>
+        <p:spPr>
+          <a:xfrm>
+            <a:off x="10868628" y="2257063"/>
+            <a:ext cx="347240" cy="300942"/>
+          </a:xfrm>
+          <a:prstGeom prst="ellipse">
+            <a:avLst/>
+          </a:prstGeom>
+          <a:solidFill>
+            <a:schemeClr val="bg1"/>
+          </a:solidFill>
+          <a:ln>
+            <a:solidFill>
+              <a:schemeClr val="bg1"/>
+            </a:solidFill>
+          </a:ln>
+        </p:spPr>
+        <p:style>
+          <a:lnRef idx="2">
+            <a:schemeClr val="accent1">
+              <a:shade val="50000"/>
+            </a:schemeClr>
+          </a:lnRef>
+          <a:fillRef idx="1">
+            <a:schemeClr val="accent1"/>
+          </a:fillRef>
+          <a:effectRef idx="0">
+            <a:schemeClr val="accent1"/>
+          </a:effectRef>
+          <a:fontRef idx="minor">
+            <a:schemeClr val="lt1"/>
+          </a:fontRef>
+        </p:style>
+        <p:txBody>
+          <a:bodyPr rtlCol="0" anchor="ctr"/>
+          <a:lstStyle/>
+          <a:p>
+            <a:pPr algn="ctr"/>
+            <a:endParaRPr lang="ko-KR" altLang="en-US"/>
+          </a:p>
+        </p:txBody>
+      </p:sp>
+    </p:spTree>
+    <p:extLst>
+      <p:ext uri="{BB962C8B-B14F-4D97-AF65-F5344CB8AC3E}">
+        <p14:creationId xmlns:p14="http://schemas.microsoft.com/office/powerpoint/2010/main" val="778632508"/>
+      </p:ext>
+    </p:extLst>
+  </p:cSld>
+  <p:clrMapOvr>
+    <a:masterClrMapping/>
+  </p:clrMapOvr>
+  <p:timing>
+    <p:tnLst>
+      <p:par>
+        <p:cTn id="1" dur="indefinite" restart="never" nodeType="tmRoot"/>
+      </p:par>
+    </p:tnLst>
+  </p:timing>
 </p:sld>
 </file>
 
@@ -4402,7 +5221,7 @@
           <p:cNvPr id="2" name="제목 1">
             <a:extLst>
               <a:ext uri="{FF2B5EF4-FFF2-40B4-BE49-F238E27FC236}">
-                <a16:creationId xmlns:a16="http://schemas.microsoft.com/office/drawing/2014/main" id="{EEAE29BC-677A-4B15-B09C-37B8AD69103A}"/>
+                <a16:creationId xmlns:a16="http://schemas.microsoft.com/office/drawing/2014/main" xmlns="" id="{EEAE29BC-677A-4B15-B09C-37B8AD69103A}"/>
               </a:ext>
             </a:extLst>
           </p:cNvPr>
@@ -4430,7 +5249,7 @@
           <p:cNvPr id="3" name="내용 개체 틀 2">
             <a:extLst>
               <a:ext uri="{FF2B5EF4-FFF2-40B4-BE49-F238E27FC236}">
-                <a16:creationId xmlns:a16="http://schemas.microsoft.com/office/drawing/2014/main" id="{C1400E7C-2DE1-4B1D-9E1C-2EC207C7B255}"/>
+                <a16:creationId xmlns:a16="http://schemas.microsoft.com/office/drawing/2014/main" xmlns="" id="{C1400E7C-2DE1-4B1D-9E1C-2EC207C7B255}"/>
               </a:ext>
             </a:extLst>
           </p:cNvPr>
@@ -4476,8 +5295,8 @@
           </a:p>
           <a:p>
             <a:r>
-              <a:rPr lang="ko-KR" altLang="en-US" dirty="0"/>
-              <a:t>목표</a:t>
+              <a:rPr lang="ko-KR" altLang="en-US" dirty="0" smtClean="0"/>
+              <a:t>현황 및 목표</a:t>
             </a:r>
             <a:endParaRPr lang="en-US" altLang="ko-KR" dirty="0"/>
           </a:p>
@@ -4490,6 +5309,616 @@
     <p:extLst>
       <p:ext uri="{BB962C8B-B14F-4D97-AF65-F5344CB8AC3E}">
         <p14:creationId xmlns:p14="http://schemas.microsoft.com/office/powerpoint/2010/main" val="253700557"/>
+      </p:ext>
+    </p:extLst>
+  </p:cSld>
+  <p:clrMapOvr>
+    <a:masterClrMapping/>
+  </p:clrMapOvr>
+</p:sld>
+</file>
+
+<file path=ppt/slides/slide20.xml><?xml version="1.0" encoding="utf-8"?>
+<p:sld xmlns:a="http://schemas.openxmlformats.org/drawingml/2006/main" xmlns:r="http://schemas.openxmlformats.org/officeDocument/2006/relationships" xmlns:p="http://schemas.openxmlformats.org/presentationml/2006/main">
+  <p:cSld>
+    <p:spTree>
+      <p:nvGrpSpPr>
+        <p:cNvPr id="1" name=""/>
+        <p:cNvGrpSpPr/>
+        <p:nvPr/>
+      </p:nvGrpSpPr>
+      <p:grpSpPr>
+        <a:xfrm>
+          <a:off x="0" y="0"/>
+          <a:ext cx="0" cy="0"/>
+          <a:chOff x="0" y="0"/>
+          <a:chExt cx="0" cy="0"/>
+        </a:xfrm>
+      </p:grpSpPr>
+      <p:sp>
+        <p:nvSpPr>
+          <p:cNvPr id="2" name="제목 1">
+            <a:extLst>
+              <a:ext uri="{FF2B5EF4-FFF2-40B4-BE49-F238E27FC236}">
+                <a16:creationId xmlns:a16="http://schemas.microsoft.com/office/drawing/2014/main" xmlns="" id="{559D7FA2-E48D-4FB9-8F7C-69A4D6DAB144}"/>
+              </a:ext>
+            </a:extLst>
+          </p:cNvPr>
+          <p:cNvSpPr>
+            <a:spLocks noGrp="1"/>
+          </p:cNvSpPr>
+          <p:nvPr>
+            <p:ph type="title"/>
+          </p:nvPr>
+        </p:nvSpPr>
+        <p:spPr/>
+        <p:txBody>
+          <a:bodyPr/>
+          <a:lstStyle/>
+          <a:p>
+            <a:r>
+              <a:rPr lang="ko-KR" altLang="en-US" dirty="0" smtClean="0"/>
+              <a:t>현 황</a:t>
+            </a:r>
+            <a:endParaRPr lang="ko-KR" altLang="en-US" dirty="0"/>
+          </a:p>
+        </p:txBody>
+      </p:sp>
+      <p:sp>
+        <p:nvSpPr>
+          <p:cNvPr id="3" name="내용 개체 틀 2">
+            <a:extLst>
+              <a:ext uri="{FF2B5EF4-FFF2-40B4-BE49-F238E27FC236}">
+                <a16:creationId xmlns:a16="http://schemas.microsoft.com/office/drawing/2014/main" xmlns="" id="{D9E9A0B6-CD7D-45DB-A8C9-14AA87125AD2}"/>
+              </a:ext>
+            </a:extLst>
+          </p:cNvPr>
+          <p:cNvSpPr>
+            <a:spLocks noGrp="1"/>
+          </p:cNvSpPr>
+          <p:nvPr>
+            <p:ph idx="1"/>
+          </p:nvPr>
+        </p:nvSpPr>
+        <p:spPr/>
+        <p:txBody>
+          <a:bodyPr/>
+          <a:lstStyle/>
+          <a:p>
+            <a:r>
+              <a:rPr lang="en-US" altLang="ko-KR" dirty="0" err="1" smtClean="0"/>
+              <a:t>Git</a:t>
+            </a:r>
+            <a:endParaRPr lang="en-US" altLang="ko-KR" dirty="0" smtClean="0"/>
+          </a:p>
+          <a:p>
+            <a:pPr marL="0" indent="0">
+              <a:buNone/>
+            </a:pPr>
+            <a:r>
+              <a:rPr lang="ko-KR" altLang="en-US" dirty="0" smtClean="0"/>
+              <a:t>→ 각 프로젝트 별로 </a:t>
+            </a:r>
+            <a:r>
+              <a:rPr lang="en-US" altLang="ko-KR" dirty="0" smtClean="0"/>
+              <a:t>4</a:t>
+            </a:r>
+            <a:r>
+              <a:rPr lang="ko-KR" altLang="en-US" dirty="0" smtClean="0"/>
+              <a:t>개의 </a:t>
+            </a:r>
+            <a:r>
+              <a:rPr lang="en-US" altLang="ko-KR" dirty="0" smtClean="0"/>
+              <a:t>GitHub </a:t>
+            </a:r>
+            <a:r>
+              <a:rPr lang="ko-KR" altLang="en-US" dirty="0" smtClean="0"/>
+              <a:t>저장소 구비</a:t>
+            </a:r>
+            <a:endParaRPr lang="en-US" altLang="ko-KR" dirty="0" smtClean="0"/>
+          </a:p>
+          <a:p>
+            <a:pPr marL="0" indent="0">
+              <a:buNone/>
+            </a:pPr>
+            <a:r>
+              <a:rPr lang="ko-KR" altLang="en-US" dirty="0" smtClean="0"/>
+              <a:t>→ </a:t>
+            </a:r>
+            <a:r>
+              <a:rPr lang="en-US" altLang="ko-KR" dirty="0" smtClean="0"/>
+              <a:t>GitHub</a:t>
+            </a:r>
+            <a:r>
+              <a:rPr lang="ko-KR" altLang="en-US" dirty="0" smtClean="0"/>
+              <a:t>에 대한 사용자 </a:t>
+            </a:r>
+            <a:r>
+              <a:rPr lang="en-US" altLang="ko-KR" dirty="0" smtClean="0"/>
+              <a:t>Manual </a:t>
+            </a:r>
+            <a:r>
+              <a:rPr lang="ko-KR" altLang="en-US" dirty="0" smtClean="0"/>
+              <a:t>작성</a:t>
+            </a:r>
+            <a:endParaRPr lang="en-US" altLang="ko-KR" dirty="0" smtClean="0"/>
+          </a:p>
+          <a:p>
+            <a:pPr marL="0" indent="0">
+              <a:buNone/>
+            </a:pPr>
+            <a:r>
+              <a:rPr lang="ko-KR" altLang="en-US" dirty="0" smtClean="0"/>
+              <a:t>→ 다수에 의한 작업을 고려한 실험 완료</a:t>
+            </a:r>
+            <a:endParaRPr lang="en-US" altLang="ko-KR" dirty="0" smtClean="0"/>
+          </a:p>
+          <a:p>
+            <a:pPr marL="0" indent="0">
+              <a:buNone/>
+            </a:pPr>
+            <a:r>
+              <a:rPr lang="ko-KR" altLang="en-US" dirty="0" smtClean="0"/>
+              <a:t>→ 관리자 기준 필요한 내용들 정리</a:t>
+            </a:r>
+            <a:endParaRPr lang="ko-KR" altLang="en-US" dirty="0"/>
+          </a:p>
+        </p:txBody>
+      </p:sp>
+    </p:spTree>
+    <p:extLst>
+      <p:ext uri="{BB962C8B-B14F-4D97-AF65-F5344CB8AC3E}">
+        <p14:creationId xmlns:p14="http://schemas.microsoft.com/office/powerpoint/2010/main" val="2804752188"/>
+      </p:ext>
+    </p:extLst>
+  </p:cSld>
+  <p:clrMapOvr>
+    <a:masterClrMapping/>
+  </p:clrMapOvr>
+  <p:timing>
+    <p:tnLst>
+      <p:par>
+        <p:cTn id="1" dur="indefinite" restart="never" nodeType="tmRoot"/>
+      </p:par>
+    </p:tnLst>
+  </p:timing>
+</p:sld>
+</file>
+
+<file path=ppt/slides/slide21.xml><?xml version="1.0" encoding="utf-8"?>
+<p:sld xmlns:a="http://schemas.openxmlformats.org/drawingml/2006/main" xmlns:r="http://schemas.openxmlformats.org/officeDocument/2006/relationships" xmlns:p="http://schemas.openxmlformats.org/presentationml/2006/main">
+  <p:cSld>
+    <p:spTree>
+      <p:nvGrpSpPr>
+        <p:cNvPr id="1" name=""/>
+        <p:cNvGrpSpPr/>
+        <p:nvPr/>
+      </p:nvGrpSpPr>
+      <p:grpSpPr>
+        <a:xfrm>
+          <a:off x="0" y="0"/>
+          <a:ext cx="0" cy="0"/>
+          <a:chOff x="0" y="0"/>
+          <a:chExt cx="0" cy="0"/>
+        </a:xfrm>
+      </p:grpSpPr>
+      <p:sp>
+        <p:nvSpPr>
+          <p:cNvPr id="2" name="제목 1">
+            <a:extLst>
+              <a:ext uri="{FF2B5EF4-FFF2-40B4-BE49-F238E27FC236}">
+                <a16:creationId xmlns:a16="http://schemas.microsoft.com/office/drawing/2014/main" xmlns="" id="{559D7FA2-E48D-4FB9-8F7C-69A4D6DAB144}"/>
+              </a:ext>
+            </a:extLst>
+          </p:cNvPr>
+          <p:cNvSpPr>
+            <a:spLocks noGrp="1"/>
+          </p:cNvSpPr>
+          <p:nvPr>
+            <p:ph type="title"/>
+          </p:nvPr>
+        </p:nvSpPr>
+        <p:spPr/>
+        <p:txBody>
+          <a:bodyPr/>
+          <a:lstStyle/>
+          <a:p>
+            <a:r>
+              <a:rPr lang="ko-KR" altLang="en-US" dirty="0"/>
+              <a:t>목 표</a:t>
+            </a:r>
+          </a:p>
+        </p:txBody>
+      </p:sp>
+      <p:sp>
+        <p:nvSpPr>
+          <p:cNvPr id="3" name="내용 개체 틀 2">
+            <a:extLst>
+              <a:ext uri="{FF2B5EF4-FFF2-40B4-BE49-F238E27FC236}">
+                <a16:creationId xmlns:a16="http://schemas.microsoft.com/office/drawing/2014/main" xmlns="" id="{D9E9A0B6-CD7D-45DB-A8C9-14AA87125AD2}"/>
+              </a:ext>
+            </a:extLst>
+          </p:cNvPr>
+          <p:cNvSpPr>
+            <a:spLocks noGrp="1"/>
+          </p:cNvSpPr>
+          <p:nvPr>
+            <p:ph idx="1"/>
+          </p:nvPr>
+        </p:nvSpPr>
+        <p:spPr/>
+        <p:txBody>
+          <a:bodyPr/>
+          <a:lstStyle/>
+          <a:p>
+            <a:r>
+              <a:rPr lang="en-US" altLang="ko-KR" dirty="0" err="1" smtClean="0"/>
+              <a:t>Git</a:t>
+            </a:r>
+            <a:endParaRPr lang="en-US" altLang="ko-KR" dirty="0" smtClean="0"/>
+          </a:p>
+          <a:p>
+            <a:pPr marL="0" indent="0">
+              <a:buNone/>
+            </a:pPr>
+            <a:r>
+              <a:rPr lang="ko-KR" altLang="en-US" dirty="0" smtClean="0"/>
+              <a:t>→ </a:t>
+            </a:r>
+            <a:r>
+              <a:rPr lang="en-US" altLang="ko-KR" dirty="0" err="1" smtClean="0"/>
+              <a:t>Git</a:t>
+            </a:r>
+            <a:r>
+              <a:rPr lang="en-US" altLang="ko-KR" dirty="0" smtClean="0"/>
+              <a:t> Server </a:t>
+            </a:r>
+            <a:r>
+              <a:rPr lang="ko-KR" altLang="en-US" dirty="0" smtClean="0"/>
+              <a:t>등록하기</a:t>
+            </a:r>
+            <a:endParaRPr lang="en-US" altLang="ko-KR" dirty="0" smtClean="0"/>
+          </a:p>
+          <a:p>
+            <a:pPr marL="0" indent="0">
+              <a:buNone/>
+            </a:pPr>
+            <a:r>
+              <a:rPr lang="ko-KR" altLang="en-US" dirty="0" smtClean="0"/>
+              <a:t>→ </a:t>
+            </a:r>
+            <a:r>
+              <a:rPr lang="en-US" altLang="ko-KR" dirty="0" err="1" smtClean="0"/>
+              <a:t>Git</a:t>
+            </a:r>
+            <a:r>
+              <a:rPr lang="en-US" altLang="ko-KR" dirty="0" smtClean="0"/>
+              <a:t> Web / </a:t>
+            </a:r>
+            <a:r>
+              <a:rPr lang="en-US" altLang="ko-KR" dirty="0" err="1" smtClean="0"/>
+              <a:t>Git</a:t>
+            </a:r>
+            <a:r>
+              <a:rPr lang="en-US" altLang="ko-KR" dirty="0" smtClean="0"/>
+              <a:t> Lab </a:t>
+            </a:r>
+            <a:r>
+              <a:rPr lang="ko-KR" altLang="en-US" dirty="0" smtClean="0"/>
+              <a:t>연구</a:t>
+            </a:r>
+            <a:endParaRPr lang="ko-KR" altLang="en-US" dirty="0"/>
+          </a:p>
+        </p:txBody>
+      </p:sp>
+    </p:spTree>
+    <p:extLst>
+      <p:ext uri="{BB962C8B-B14F-4D97-AF65-F5344CB8AC3E}">
+        <p14:creationId xmlns:p14="http://schemas.microsoft.com/office/powerpoint/2010/main" val="2175613748"/>
+      </p:ext>
+    </p:extLst>
+  </p:cSld>
+  <p:clrMapOvr>
+    <a:masterClrMapping/>
+  </p:clrMapOvr>
+</p:sld>
+</file>
+
+<file path=ppt/slides/slide22.xml><?xml version="1.0" encoding="utf-8"?>
+<p:sld xmlns:a="http://schemas.openxmlformats.org/drawingml/2006/main" xmlns:r="http://schemas.openxmlformats.org/officeDocument/2006/relationships" xmlns:p="http://schemas.openxmlformats.org/presentationml/2006/main">
+  <p:cSld>
+    <p:spTree>
+      <p:nvGrpSpPr>
+        <p:cNvPr id="1" name=""/>
+        <p:cNvGrpSpPr/>
+        <p:nvPr/>
+      </p:nvGrpSpPr>
+      <p:grpSpPr>
+        <a:xfrm>
+          <a:off x="0" y="0"/>
+          <a:ext cx="0" cy="0"/>
+          <a:chOff x="0" y="0"/>
+          <a:chExt cx="0" cy="0"/>
+        </a:xfrm>
+      </p:grpSpPr>
+      <p:sp>
+        <p:nvSpPr>
+          <p:cNvPr id="2" name="제목 1">
+            <a:extLst>
+              <a:ext uri="{FF2B5EF4-FFF2-40B4-BE49-F238E27FC236}">
+                <a16:creationId xmlns:a16="http://schemas.microsoft.com/office/drawing/2014/main" xmlns="" id="{559D7FA2-E48D-4FB9-8F7C-69A4D6DAB144}"/>
+              </a:ext>
+            </a:extLst>
+          </p:cNvPr>
+          <p:cNvSpPr>
+            <a:spLocks noGrp="1"/>
+          </p:cNvSpPr>
+          <p:nvPr>
+            <p:ph type="title"/>
+          </p:nvPr>
+        </p:nvSpPr>
+        <p:spPr/>
+        <p:txBody>
+          <a:bodyPr/>
+          <a:lstStyle/>
+          <a:p>
+            <a:r>
+              <a:rPr lang="ko-KR" altLang="en-US" dirty="0" smtClean="0"/>
+              <a:t>현 황</a:t>
+            </a:r>
+            <a:endParaRPr lang="ko-KR" altLang="en-US" dirty="0"/>
+          </a:p>
+        </p:txBody>
+      </p:sp>
+      <p:sp>
+        <p:nvSpPr>
+          <p:cNvPr id="3" name="내용 개체 틀 2">
+            <a:extLst>
+              <a:ext uri="{FF2B5EF4-FFF2-40B4-BE49-F238E27FC236}">
+                <a16:creationId xmlns:a16="http://schemas.microsoft.com/office/drawing/2014/main" xmlns="" id="{D9E9A0B6-CD7D-45DB-A8C9-14AA87125AD2}"/>
+              </a:ext>
+            </a:extLst>
+          </p:cNvPr>
+          <p:cNvSpPr>
+            <a:spLocks noGrp="1"/>
+          </p:cNvSpPr>
+          <p:nvPr>
+            <p:ph idx="1"/>
+          </p:nvPr>
+        </p:nvSpPr>
+        <p:spPr/>
+        <p:txBody>
+          <a:bodyPr/>
+          <a:lstStyle/>
+          <a:p>
+            <a:r>
+              <a:rPr lang="en-US" altLang="ko-KR" dirty="0" smtClean="0"/>
+              <a:t>Docker</a:t>
+            </a:r>
+          </a:p>
+          <a:p>
+            <a:pPr marL="0" indent="0">
+              <a:buNone/>
+            </a:pPr>
+            <a:r>
+              <a:rPr lang="ko-KR" altLang="en-US" dirty="0" smtClean="0"/>
+              <a:t>→ 설치 및 실행에 대한 </a:t>
+            </a:r>
+            <a:r>
+              <a:rPr lang="en-US" altLang="ko-KR" dirty="0" smtClean="0"/>
+              <a:t>Manual </a:t>
+            </a:r>
+            <a:r>
+              <a:rPr lang="ko-KR" altLang="en-US" dirty="0" smtClean="0"/>
+              <a:t>작성</a:t>
+            </a:r>
+            <a:endParaRPr lang="en-US" altLang="ko-KR" dirty="0" smtClean="0"/>
+          </a:p>
+          <a:p>
+            <a:pPr marL="0" indent="0">
+              <a:buNone/>
+            </a:pPr>
+            <a:r>
+              <a:rPr lang="ko-KR" altLang="en-US" dirty="0" smtClean="0"/>
+              <a:t>→ </a:t>
+            </a:r>
+            <a:r>
+              <a:rPr lang="en-US" altLang="ko-KR" dirty="0" smtClean="0"/>
+              <a:t>Docker</a:t>
+            </a:r>
+            <a:r>
+              <a:rPr lang="ko-KR" altLang="en-US" dirty="0" smtClean="0"/>
+              <a:t>의 기본 용어에 대한 이론 정리</a:t>
+            </a:r>
+            <a:endParaRPr lang="en-US" altLang="ko-KR" dirty="0" smtClean="0"/>
+          </a:p>
+          <a:p>
+            <a:pPr marL="0" indent="0">
+              <a:buNone/>
+            </a:pPr>
+            <a:r>
+              <a:rPr lang="ko-KR" altLang="en-US" dirty="0" smtClean="0"/>
+              <a:t>→ 자주 사용하는 </a:t>
+            </a:r>
+            <a:r>
+              <a:rPr lang="en-US" altLang="ko-KR" dirty="0" smtClean="0"/>
+              <a:t>CLI </a:t>
+            </a:r>
+            <a:r>
+              <a:rPr lang="ko-KR" altLang="en-US" dirty="0" smtClean="0"/>
+              <a:t>코드 정리</a:t>
+            </a:r>
+            <a:endParaRPr lang="en-US" altLang="ko-KR" dirty="0" smtClean="0"/>
+          </a:p>
+          <a:p>
+            <a:pPr marL="0" indent="0">
+              <a:buNone/>
+            </a:pPr>
+            <a:r>
+              <a:rPr lang="ko-KR" altLang="en-US" dirty="0" smtClean="0"/>
+              <a:t>→ </a:t>
+            </a:r>
+            <a:r>
+              <a:rPr lang="en-US" altLang="ko-KR" dirty="0" smtClean="0"/>
+              <a:t>Docker Server </a:t>
+            </a:r>
+            <a:r>
+              <a:rPr lang="ko-KR" altLang="en-US" dirty="0" smtClean="0"/>
+              <a:t>구현</a:t>
+            </a:r>
+            <a:endParaRPr lang="ko-KR" altLang="en-US" dirty="0"/>
+          </a:p>
+        </p:txBody>
+      </p:sp>
+    </p:spTree>
+    <p:extLst>
+      <p:ext uri="{BB962C8B-B14F-4D97-AF65-F5344CB8AC3E}">
+        <p14:creationId xmlns:p14="http://schemas.microsoft.com/office/powerpoint/2010/main" val="908765707"/>
+      </p:ext>
+    </p:extLst>
+  </p:cSld>
+  <p:clrMapOvr>
+    <a:masterClrMapping/>
+  </p:clrMapOvr>
+</p:sld>
+</file>
+
+<file path=ppt/slides/slide23.xml><?xml version="1.0" encoding="utf-8"?>
+<p:sld xmlns:a="http://schemas.openxmlformats.org/drawingml/2006/main" xmlns:r="http://schemas.openxmlformats.org/officeDocument/2006/relationships" xmlns:p="http://schemas.openxmlformats.org/presentationml/2006/main">
+  <p:cSld>
+    <p:spTree>
+      <p:nvGrpSpPr>
+        <p:cNvPr id="1" name=""/>
+        <p:cNvGrpSpPr/>
+        <p:nvPr/>
+      </p:nvGrpSpPr>
+      <p:grpSpPr>
+        <a:xfrm>
+          <a:off x="0" y="0"/>
+          <a:ext cx="0" cy="0"/>
+          <a:chOff x="0" y="0"/>
+          <a:chExt cx="0" cy="0"/>
+        </a:xfrm>
+      </p:grpSpPr>
+      <p:sp>
+        <p:nvSpPr>
+          <p:cNvPr id="2" name="제목 1">
+            <a:extLst>
+              <a:ext uri="{FF2B5EF4-FFF2-40B4-BE49-F238E27FC236}">
+                <a16:creationId xmlns:a16="http://schemas.microsoft.com/office/drawing/2014/main" xmlns="" id="{559D7FA2-E48D-4FB9-8F7C-69A4D6DAB144}"/>
+              </a:ext>
+            </a:extLst>
+          </p:cNvPr>
+          <p:cNvSpPr>
+            <a:spLocks noGrp="1"/>
+          </p:cNvSpPr>
+          <p:nvPr>
+            <p:ph type="title"/>
+          </p:nvPr>
+        </p:nvSpPr>
+        <p:spPr/>
+        <p:txBody>
+          <a:bodyPr/>
+          <a:lstStyle/>
+          <a:p>
+            <a:r>
+              <a:rPr lang="ko-KR" altLang="en-US" dirty="0"/>
+              <a:t>목 표</a:t>
+            </a:r>
+          </a:p>
+        </p:txBody>
+      </p:sp>
+      <p:sp>
+        <p:nvSpPr>
+          <p:cNvPr id="3" name="내용 개체 틀 2">
+            <a:extLst>
+              <a:ext uri="{FF2B5EF4-FFF2-40B4-BE49-F238E27FC236}">
+                <a16:creationId xmlns:a16="http://schemas.microsoft.com/office/drawing/2014/main" xmlns="" id="{D9E9A0B6-CD7D-45DB-A8C9-14AA87125AD2}"/>
+              </a:ext>
+            </a:extLst>
+          </p:cNvPr>
+          <p:cNvSpPr>
+            <a:spLocks noGrp="1"/>
+          </p:cNvSpPr>
+          <p:nvPr>
+            <p:ph idx="1"/>
+          </p:nvPr>
+        </p:nvSpPr>
+        <p:spPr/>
+        <p:txBody>
+          <a:bodyPr/>
+          <a:lstStyle/>
+          <a:p>
+            <a:r>
+              <a:rPr lang="en-US" altLang="ko-KR" dirty="0" smtClean="0"/>
+              <a:t>Docker</a:t>
+            </a:r>
+            <a:endParaRPr lang="en-US" altLang="ko-KR" dirty="0" smtClean="0"/>
+          </a:p>
+          <a:p>
+            <a:pPr marL="0" indent="0">
+              <a:buNone/>
+            </a:pPr>
+            <a:r>
+              <a:rPr lang="ko-KR" altLang="en-US" dirty="0" smtClean="0"/>
+              <a:t>→ </a:t>
+            </a:r>
+            <a:r>
+              <a:rPr lang="en-US" altLang="ko-KR" dirty="0" smtClean="0"/>
+              <a:t>Layer </a:t>
+            </a:r>
+            <a:r>
+              <a:rPr lang="ko-KR" altLang="en-US" dirty="0" smtClean="0"/>
+              <a:t>방법 연구</a:t>
+            </a:r>
+            <a:endParaRPr lang="en-US" altLang="ko-KR" dirty="0" smtClean="0"/>
+          </a:p>
+          <a:p>
+            <a:pPr marL="0" indent="0">
+              <a:buNone/>
+            </a:pPr>
+            <a:r>
+              <a:rPr lang="ko-KR" altLang="en-US" dirty="0" smtClean="0"/>
+              <a:t>→ </a:t>
+            </a:r>
+            <a:r>
+              <a:rPr lang="en-US" altLang="ko-KR" dirty="0" err="1" smtClean="0"/>
+              <a:t>Jupyter</a:t>
+            </a:r>
+            <a:r>
+              <a:rPr lang="en-US" altLang="ko-KR" dirty="0" smtClean="0"/>
+              <a:t>, FENICS, DB, Project file </a:t>
+            </a:r>
+            <a:r>
+              <a:rPr lang="ko-KR" altLang="en-US" dirty="0" smtClean="0"/>
+              <a:t>통합 패키지 제작</a:t>
+            </a:r>
+            <a:endParaRPr lang="en-US" altLang="ko-KR" dirty="0" smtClean="0"/>
+          </a:p>
+          <a:p>
+            <a:pPr marL="0" indent="0">
+              <a:buNone/>
+            </a:pPr>
+            <a:r>
+              <a:rPr lang="ko-KR" altLang="en-US" dirty="0" smtClean="0"/>
+              <a:t>→ </a:t>
+            </a:r>
+            <a:r>
+              <a:rPr lang="en-US" altLang="ko-KR" dirty="0" smtClean="0"/>
+              <a:t>Server </a:t>
+            </a:r>
+            <a:r>
+              <a:rPr lang="ko-KR" altLang="en-US" dirty="0" smtClean="0"/>
+              <a:t>페이지 관리</a:t>
+            </a:r>
+            <a:endParaRPr lang="ko-KR" altLang="en-US" dirty="0"/>
+          </a:p>
+        </p:txBody>
+      </p:sp>
+    </p:spTree>
+    <p:extLst>
+      <p:ext uri="{BB962C8B-B14F-4D97-AF65-F5344CB8AC3E}">
+        <p14:creationId xmlns:p14="http://schemas.microsoft.com/office/powerpoint/2010/main" val="3223097899"/>
       </p:ext>
     </p:extLst>
   </p:cSld>
@@ -4521,7 +5950,7 @@
           <p:cNvPr id="2" name="제목 1">
             <a:extLst>
               <a:ext uri="{FF2B5EF4-FFF2-40B4-BE49-F238E27FC236}">
-                <a16:creationId xmlns:a16="http://schemas.microsoft.com/office/drawing/2014/main" id="{559D7FA2-E48D-4FB9-8F7C-69A4D6DAB144}"/>
+                <a16:creationId xmlns:a16="http://schemas.microsoft.com/office/drawing/2014/main" xmlns="" id="{559D7FA2-E48D-4FB9-8F7C-69A4D6DAB144}"/>
               </a:ext>
             </a:extLst>
           </p:cNvPr>
@@ -4549,7 +5978,7 @@
           <p:cNvPr id="3" name="내용 개체 틀 2">
             <a:extLst>
               <a:ext uri="{FF2B5EF4-FFF2-40B4-BE49-F238E27FC236}">
-                <a16:creationId xmlns:a16="http://schemas.microsoft.com/office/drawing/2014/main" id="{D9E9A0B6-CD7D-45DB-A8C9-14AA87125AD2}"/>
+                <a16:creationId xmlns:a16="http://schemas.microsoft.com/office/drawing/2014/main" xmlns="" id="{D9E9A0B6-CD7D-45DB-A8C9-14AA87125AD2}"/>
               </a:ext>
             </a:extLst>
           </p:cNvPr>
@@ -4645,7 +6074,7 @@
           <p:cNvPr id="2" name="제목 1">
             <a:extLst>
               <a:ext uri="{FF2B5EF4-FFF2-40B4-BE49-F238E27FC236}">
-                <a16:creationId xmlns:a16="http://schemas.microsoft.com/office/drawing/2014/main" id="{559D7FA2-E48D-4FB9-8F7C-69A4D6DAB144}"/>
+                <a16:creationId xmlns:a16="http://schemas.microsoft.com/office/drawing/2014/main" xmlns="" id="{559D7FA2-E48D-4FB9-8F7C-69A4D6DAB144}"/>
               </a:ext>
             </a:extLst>
           </p:cNvPr>
@@ -4673,7 +6102,7 @@
           <p:cNvPr id="3" name="내용 개체 틀 2">
             <a:extLst>
               <a:ext uri="{FF2B5EF4-FFF2-40B4-BE49-F238E27FC236}">
-                <a16:creationId xmlns:a16="http://schemas.microsoft.com/office/drawing/2014/main" id="{D9E9A0B6-CD7D-45DB-A8C9-14AA87125AD2}"/>
+                <a16:creationId xmlns:a16="http://schemas.microsoft.com/office/drawing/2014/main" xmlns="" id="{D9E9A0B6-CD7D-45DB-A8C9-14AA87125AD2}"/>
               </a:ext>
             </a:extLst>
           </p:cNvPr>
@@ -4786,7 +6215,7 @@
           <p:cNvPr id="2" name="제목 1">
             <a:extLst>
               <a:ext uri="{FF2B5EF4-FFF2-40B4-BE49-F238E27FC236}">
-                <a16:creationId xmlns:a16="http://schemas.microsoft.com/office/drawing/2014/main" id="{559D7FA2-E48D-4FB9-8F7C-69A4D6DAB144}"/>
+                <a16:creationId xmlns:a16="http://schemas.microsoft.com/office/drawing/2014/main" xmlns="" id="{559D7FA2-E48D-4FB9-8F7C-69A4D6DAB144}"/>
               </a:ext>
             </a:extLst>
           </p:cNvPr>
@@ -4822,7 +6251,7 @@
           <p:cNvPr id="4" name="사각형: 둥근 모서리 3">
             <a:extLst>
               <a:ext uri="{FF2B5EF4-FFF2-40B4-BE49-F238E27FC236}">
-                <a16:creationId xmlns:a16="http://schemas.microsoft.com/office/drawing/2014/main" id="{102AFAB7-DE9F-491A-BEC8-E9503539FA94}"/>
+                <a16:creationId xmlns:a16="http://schemas.microsoft.com/office/drawing/2014/main" xmlns="" id="{102AFAB7-DE9F-491A-BEC8-E9503539FA94}"/>
               </a:ext>
             </a:extLst>
           </p:cNvPr>
@@ -4903,7 +6332,7 @@
           <p:cNvPr id="5" name="사각형: 둥근 모서리 4">
             <a:extLst>
               <a:ext uri="{FF2B5EF4-FFF2-40B4-BE49-F238E27FC236}">
-                <a16:creationId xmlns:a16="http://schemas.microsoft.com/office/drawing/2014/main" id="{3978511D-0DFC-4C72-A7F6-80555D333941}"/>
+                <a16:creationId xmlns:a16="http://schemas.microsoft.com/office/drawing/2014/main" xmlns="" id="{3978511D-0DFC-4C72-A7F6-80555D333941}"/>
               </a:ext>
             </a:extLst>
           </p:cNvPr>
@@ -4999,7 +6428,7 @@
           <p:cNvPr id="6" name="사각형: 둥근 모서리 5">
             <a:extLst>
               <a:ext uri="{FF2B5EF4-FFF2-40B4-BE49-F238E27FC236}">
-                <a16:creationId xmlns:a16="http://schemas.microsoft.com/office/drawing/2014/main" id="{3DF0567F-7A7E-4886-8384-74B0ADF1C132}"/>
+                <a16:creationId xmlns:a16="http://schemas.microsoft.com/office/drawing/2014/main" xmlns="" id="{3DF0567F-7A7E-4886-8384-74B0ADF1C132}"/>
               </a:ext>
             </a:extLst>
           </p:cNvPr>
@@ -5059,7 +6488,7 @@
           <p:cNvPr id="7" name="사각형: 둥근 모서리 6">
             <a:extLst>
               <a:ext uri="{FF2B5EF4-FFF2-40B4-BE49-F238E27FC236}">
-                <a16:creationId xmlns:a16="http://schemas.microsoft.com/office/drawing/2014/main" id="{9FEE7198-1ED4-4E66-A12B-3CFEE2A73026}"/>
+                <a16:creationId xmlns:a16="http://schemas.microsoft.com/office/drawing/2014/main" xmlns="" id="{9FEE7198-1ED4-4E66-A12B-3CFEE2A73026}"/>
               </a:ext>
             </a:extLst>
           </p:cNvPr>
@@ -5121,7 +6550,7 @@
           <p:cNvPr id="8" name="사각형: 둥근 모서리 7">
             <a:extLst>
               <a:ext uri="{FF2B5EF4-FFF2-40B4-BE49-F238E27FC236}">
-                <a16:creationId xmlns:a16="http://schemas.microsoft.com/office/drawing/2014/main" id="{6261A37A-9967-4E87-8E41-FC387DCE29C5}"/>
+                <a16:creationId xmlns:a16="http://schemas.microsoft.com/office/drawing/2014/main" xmlns="" id="{6261A37A-9967-4E87-8E41-FC387DCE29C5}"/>
               </a:ext>
             </a:extLst>
           </p:cNvPr>
@@ -5219,7 +6648,7 @@
           <p:cNvPr id="9" name="사각형: 둥근 모서리 8">
             <a:extLst>
               <a:ext uri="{FF2B5EF4-FFF2-40B4-BE49-F238E27FC236}">
-                <a16:creationId xmlns:a16="http://schemas.microsoft.com/office/drawing/2014/main" id="{8D96DA21-4F40-4FEA-94AB-7D68E9DE3C86}"/>
+                <a16:creationId xmlns:a16="http://schemas.microsoft.com/office/drawing/2014/main" xmlns="" id="{8D96DA21-4F40-4FEA-94AB-7D68E9DE3C86}"/>
               </a:ext>
             </a:extLst>
           </p:cNvPr>
@@ -5317,7 +6746,7 @@
           <p:cNvPr id="10" name="사각형: 둥근 모서리 9">
             <a:extLst>
               <a:ext uri="{FF2B5EF4-FFF2-40B4-BE49-F238E27FC236}">
-                <a16:creationId xmlns:a16="http://schemas.microsoft.com/office/drawing/2014/main" id="{7FE7B737-23BA-4FFA-BDC7-328051573304}"/>
+                <a16:creationId xmlns:a16="http://schemas.microsoft.com/office/drawing/2014/main" xmlns="" id="{7FE7B737-23BA-4FFA-BDC7-328051573304}"/>
               </a:ext>
             </a:extLst>
           </p:cNvPr>
@@ -5381,7 +6810,7 @@
           <p:cNvPr id="11" name="사각형: 둥근 모서리 10">
             <a:extLst>
               <a:ext uri="{FF2B5EF4-FFF2-40B4-BE49-F238E27FC236}">
-                <a16:creationId xmlns:a16="http://schemas.microsoft.com/office/drawing/2014/main" id="{2FE036D8-DA70-4FB3-A4F7-6AB0BAD5A6E2}"/>
+                <a16:creationId xmlns:a16="http://schemas.microsoft.com/office/drawing/2014/main" xmlns="" id="{2FE036D8-DA70-4FB3-A4F7-6AB0BAD5A6E2}"/>
               </a:ext>
             </a:extLst>
           </p:cNvPr>
@@ -5445,7 +6874,7 @@
           <p:cNvPr id="15" name="직선 연결선 14">
             <a:extLst>
               <a:ext uri="{FF2B5EF4-FFF2-40B4-BE49-F238E27FC236}">
-                <a16:creationId xmlns:a16="http://schemas.microsoft.com/office/drawing/2014/main" id="{0CB5A2B4-37B1-46D5-AC98-849EE796E6EA}"/>
+                <a16:creationId xmlns:a16="http://schemas.microsoft.com/office/drawing/2014/main" xmlns="" id="{0CB5A2B4-37B1-46D5-AC98-849EE796E6EA}"/>
               </a:ext>
             </a:extLst>
           </p:cNvPr>
@@ -5486,7 +6915,7 @@
           <p:cNvPr id="17" name="직선 연결선 16">
             <a:extLst>
               <a:ext uri="{FF2B5EF4-FFF2-40B4-BE49-F238E27FC236}">
-                <a16:creationId xmlns:a16="http://schemas.microsoft.com/office/drawing/2014/main" id="{8830DAEF-4290-4B6C-A209-97C71F0BD1FE}"/>
+                <a16:creationId xmlns:a16="http://schemas.microsoft.com/office/drawing/2014/main" xmlns="" id="{8830DAEF-4290-4B6C-A209-97C71F0BD1FE}"/>
               </a:ext>
             </a:extLst>
           </p:cNvPr>
@@ -5526,7 +6955,7 @@
           <p:cNvPr id="19" name="직선 연결선 18">
             <a:extLst>
               <a:ext uri="{FF2B5EF4-FFF2-40B4-BE49-F238E27FC236}">
-                <a16:creationId xmlns:a16="http://schemas.microsoft.com/office/drawing/2014/main" id="{AEA56221-7AFC-4CCA-8DC0-DED06ECE4C97}"/>
+                <a16:creationId xmlns:a16="http://schemas.microsoft.com/office/drawing/2014/main" xmlns="" id="{AEA56221-7AFC-4CCA-8DC0-DED06ECE4C97}"/>
               </a:ext>
             </a:extLst>
           </p:cNvPr>
@@ -5566,7 +6995,7 @@
           <p:cNvPr id="21" name="직선 연결선 20">
             <a:extLst>
               <a:ext uri="{FF2B5EF4-FFF2-40B4-BE49-F238E27FC236}">
-                <a16:creationId xmlns:a16="http://schemas.microsoft.com/office/drawing/2014/main" id="{ECA2B480-7A49-4EFC-B202-352643B77320}"/>
+                <a16:creationId xmlns:a16="http://schemas.microsoft.com/office/drawing/2014/main" xmlns="" id="{ECA2B480-7A49-4EFC-B202-352643B77320}"/>
               </a:ext>
             </a:extLst>
           </p:cNvPr>
@@ -5606,7 +7035,7 @@
           <p:cNvPr id="23" name="직선 연결선 22">
             <a:extLst>
               <a:ext uri="{FF2B5EF4-FFF2-40B4-BE49-F238E27FC236}">
-                <a16:creationId xmlns:a16="http://schemas.microsoft.com/office/drawing/2014/main" id="{D455E9FF-64A9-4E46-A07A-2316AA1DD631}"/>
+                <a16:creationId xmlns:a16="http://schemas.microsoft.com/office/drawing/2014/main" xmlns="" id="{D455E9FF-64A9-4E46-A07A-2316AA1DD631}"/>
               </a:ext>
             </a:extLst>
           </p:cNvPr>
@@ -5646,7 +7075,7 @@
           <p:cNvPr id="25" name="직선 연결선 24">
             <a:extLst>
               <a:ext uri="{FF2B5EF4-FFF2-40B4-BE49-F238E27FC236}">
-                <a16:creationId xmlns:a16="http://schemas.microsoft.com/office/drawing/2014/main" id="{8B56210A-A85B-47BF-AA6D-41196679688B}"/>
+                <a16:creationId xmlns:a16="http://schemas.microsoft.com/office/drawing/2014/main" xmlns="" id="{8B56210A-A85B-47BF-AA6D-41196679688B}"/>
               </a:ext>
             </a:extLst>
           </p:cNvPr>
@@ -5686,7 +7115,7 @@
           <p:cNvPr id="27" name="직선 연결선 26">
             <a:extLst>
               <a:ext uri="{FF2B5EF4-FFF2-40B4-BE49-F238E27FC236}">
-                <a16:creationId xmlns:a16="http://schemas.microsoft.com/office/drawing/2014/main" id="{13F01996-A284-4931-9266-793AAD030338}"/>
+                <a16:creationId xmlns:a16="http://schemas.microsoft.com/office/drawing/2014/main" xmlns="" id="{13F01996-A284-4931-9266-793AAD030338}"/>
               </a:ext>
             </a:extLst>
           </p:cNvPr>
@@ -5726,7 +7155,7 @@
           <p:cNvPr id="42" name="그룹 41">
             <a:extLst>
               <a:ext uri="{FF2B5EF4-FFF2-40B4-BE49-F238E27FC236}">
-                <a16:creationId xmlns:a16="http://schemas.microsoft.com/office/drawing/2014/main" id="{46177AC4-251F-4754-98E8-AE3A122E3955}"/>
+                <a16:creationId xmlns:a16="http://schemas.microsoft.com/office/drawing/2014/main" xmlns="" id="{46177AC4-251F-4754-98E8-AE3A122E3955}"/>
               </a:ext>
             </a:extLst>
           </p:cNvPr>
@@ -5746,7 +7175,7 @@
             <p:cNvPr id="40" name="직사각형 39">
               <a:extLst>
                 <a:ext uri="{FF2B5EF4-FFF2-40B4-BE49-F238E27FC236}">
-                  <a16:creationId xmlns:a16="http://schemas.microsoft.com/office/drawing/2014/main" id="{AF3F01C9-C320-46E0-A78E-218D6C3882D4}"/>
+                  <a16:creationId xmlns:a16="http://schemas.microsoft.com/office/drawing/2014/main" xmlns="" id="{AF3F01C9-C320-46E0-A78E-218D6C3882D4}"/>
                 </a:ext>
               </a:extLst>
             </p:cNvPr>
@@ -5798,7 +7227,7 @@
             <p:cNvPr id="41" name="TextBox 40">
               <a:extLst>
                 <a:ext uri="{FF2B5EF4-FFF2-40B4-BE49-F238E27FC236}">
-                  <a16:creationId xmlns:a16="http://schemas.microsoft.com/office/drawing/2014/main" id="{48956659-A589-4DE9-9F42-94EF81BE1A45}"/>
+                  <a16:creationId xmlns:a16="http://schemas.microsoft.com/office/drawing/2014/main" xmlns="" id="{48956659-A589-4DE9-9F42-94EF81BE1A45}"/>
                 </a:ext>
               </a:extLst>
             </p:cNvPr>
@@ -5955,7 +7384,7 @@
           <p:cNvPr id="2" name="제목 1">
             <a:extLst>
               <a:ext uri="{FF2B5EF4-FFF2-40B4-BE49-F238E27FC236}">
-                <a16:creationId xmlns:a16="http://schemas.microsoft.com/office/drawing/2014/main" id="{559D7FA2-E48D-4FB9-8F7C-69A4D6DAB144}"/>
+                <a16:creationId xmlns:a16="http://schemas.microsoft.com/office/drawing/2014/main" xmlns="" id="{559D7FA2-E48D-4FB9-8F7C-69A4D6DAB144}"/>
               </a:ext>
             </a:extLst>
           </p:cNvPr>
@@ -5987,7 +7416,7 @@
           <p:cNvPr id="3" name="내용 개체 틀 2">
             <a:extLst>
               <a:ext uri="{FF2B5EF4-FFF2-40B4-BE49-F238E27FC236}">
-                <a16:creationId xmlns:a16="http://schemas.microsoft.com/office/drawing/2014/main" id="{D9E9A0B6-CD7D-45DB-A8C9-14AA87125AD2}"/>
+                <a16:creationId xmlns:a16="http://schemas.microsoft.com/office/drawing/2014/main" xmlns="" id="{D9E9A0B6-CD7D-45DB-A8C9-14AA87125AD2}"/>
               </a:ext>
             </a:extLst>
           </p:cNvPr>
@@ -6084,7 +7513,7 @@
           <p:cNvPr id="2" name="제목 1">
             <a:extLst>
               <a:ext uri="{FF2B5EF4-FFF2-40B4-BE49-F238E27FC236}">
-                <a16:creationId xmlns:a16="http://schemas.microsoft.com/office/drawing/2014/main" id="{559D7FA2-E48D-4FB9-8F7C-69A4D6DAB144}"/>
+                <a16:creationId xmlns:a16="http://schemas.microsoft.com/office/drawing/2014/main" xmlns="" id="{559D7FA2-E48D-4FB9-8F7C-69A4D6DAB144}"/>
               </a:ext>
             </a:extLst>
           </p:cNvPr>
@@ -6116,7 +7545,7 @@
           <p:cNvPr id="3" name="내용 개체 틀 2">
             <a:extLst>
               <a:ext uri="{FF2B5EF4-FFF2-40B4-BE49-F238E27FC236}">
-                <a16:creationId xmlns:a16="http://schemas.microsoft.com/office/drawing/2014/main" id="{D9E9A0B6-CD7D-45DB-A8C9-14AA87125AD2}"/>
+                <a16:creationId xmlns:a16="http://schemas.microsoft.com/office/drawing/2014/main" xmlns="" id="{D9E9A0B6-CD7D-45DB-A8C9-14AA87125AD2}"/>
               </a:ext>
             </a:extLst>
           </p:cNvPr>
@@ -6203,7 +7632,7 @@
           <p:cNvPr id="2" name="제목 1">
             <a:extLst>
               <a:ext uri="{FF2B5EF4-FFF2-40B4-BE49-F238E27FC236}">
-                <a16:creationId xmlns:a16="http://schemas.microsoft.com/office/drawing/2014/main" id="{575A0FAA-BB97-4EF4-B8E0-EE56A36D1890}"/>
+                <a16:creationId xmlns:a16="http://schemas.microsoft.com/office/drawing/2014/main" xmlns="" id="{575A0FAA-BB97-4EF4-B8E0-EE56A36D1890}"/>
               </a:ext>
             </a:extLst>
           </p:cNvPr>
@@ -6235,7 +7664,7 @@
           <p:cNvPr id="3" name="내용 개체 틀 2">
             <a:extLst>
               <a:ext uri="{FF2B5EF4-FFF2-40B4-BE49-F238E27FC236}">
-                <a16:creationId xmlns:a16="http://schemas.microsoft.com/office/drawing/2014/main" id="{FD41BD2D-4260-47E1-A9AA-BA00F8391827}"/>
+                <a16:creationId xmlns:a16="http://schemas.microsoft.com/office/drawing/2014/main" xmlns="" id="{FD41BD2D-4260-47E1-A9AA-BA00F8391827}"/>
               </a:ext>
             </a:extLst>
           </p:cNvPr>
@@ -6327,7 +7756,7 @@
           <p:cNvPr id="5" name="그림 4" descr="스크린샷이(가) 표시된 사진&#10;&#10;자동 생성된 설명">
             <a:extLst>
               <a:ext uri="{FF2B5EF4-FFF2-40B4-BE49-F238E27FC236}">
-                <a16:creationId xmlns:a16="http://schemas.microsoft.com/office/drawing/2014/main" id="{D3C2C679-CAF1-4EFE-9C44-F22D85CC44F7}"/>
+                <a16:creationId xmlns:a16="http://schemas.microsoft.com/office/drawing/2014/main" xmlns="" id="{D3C2C679-CAF1-4EFE-9C44-F22D85CC44F7}"/>
               </a:ext>
             </a:extLst>
           </p:cNvPr>
@@ -6393,7 +7822,7 @@
           <p:cNvPr id="2" name="제목 1">
             <a:extLst>
               <a:ext uri="{FF2B5EF4-FFF2-40B4-BE49-F238E27FC236}">
-                <a16:creationId xmlns:a16="http://schemas.microsoft.com/office/drawing/2014/main" id="{575A0FAA-BB97-4EF4-B8E0-EE56A36D1890}"/>
+                <a16:creationId xmlns:a16="http://schemas.microsoft.com/office/drawing/2014/main" xmlns="" id="{575A0FAA-BB97-4EF4-B8E0-EE56A36D1890}"/>
               </a:ext>
             </a:extLst>
           </p:cNvPr>
@@ -6425,7 +7854,7 @@
           <p:cNvPr id="3" name="내용 개체 틀 2">
             <a:extLst>
               <a:ext uri="{FF2B5EF4-FFF2-40B4-BE49-F238E27FC236}">
-                <a16:creationId xmlns:a16="http://schemas.microsoft.com/office/drawing/2014/main" id="{FD41BD2D-4260-47E1-A9AA-BA00F8391827}"/>
+                <a16:creationId xmlns:a16="http://schemas.microsoft.com/office/drawing/2014/main" xmlns="" id="{FD41BD2D-4260-47E1-A9AA-BA00F8391827}"/>
               </a:ext>
             </a:extLst>
           </p:cNvPr>
